--- a/docs/NALUProcessing.pptx
+++ b/docs/NALUProcessing.pptx
@@ -261,7 +261,7 @@
           <a:p>
             <a:fld id="{3AD60914-9850-4B4A-BBA9-FC9F3CF89E71}" type="datetimeFigureOut">
               <a:rPr lang="en-US" smtClean="0"/>
-              <a:t>1/24/2023</a:t>
+              <a:t>6/15/2023</a:t>
             </a:fld>
             <a:endParaRPr lang="en-US"/>
           </a:p>
@@ -459,7 +459,7 @@
           <a:p>
             <a:fld id="{3AD60914-9850-4B4A-BBA9-FC9F3CF89E71}" type="datetimeFigureOut">
               <a:rPr lang="en-US" smtClean="0"/>
-              <a:t>1/24/2023</a:t>
+              <a:t>6/15/2023</a:t>
             </a:fld>
             <a:endParaRPr lang="en-US"/>
           </a:p>
@@ -667,7 +667,7 @@
           <a:p>
             <a:fld id="{3AD60914-9850-4B4A-BBA9-FC9F3CF89E71}" type="datetimeFigureOut">
               <a:rPr lang="en-US" smtClean="0"/>
-              <a:t>1/24/2023</a:t>
+              <a:t>6/15/2023</a:t>
             </a:fld>
             <a:endParaRPr lang="en-US"/>
           </a:p>
@@ -865,7 +865,7 @@
           <a:p>
             <a:fld id="{3AD60914-9850-4B4A-BBA9-FC9F3CF89E71}" type="datetimeFigureOut">
               <a:rPr lang="en-US" smtClean="0"/>
-              <a:t>1/24/2023</a:t>
+              <a:t>6/15/2023</a:t>
             </a:fld>
             <a:endParaRPr lang="en-US"/>
           </a:p>
@@ -1140,7 +1140,7 @@
           <a:p>
             <a:fld id="{3AD60914-9850-4B4A-BBA9-FC9F3CF89E71}" type="datetimeFigureOut">
               <a:rPr lang="en-US" smtClean="0"/>
-              <a:t>1/24/2023</a:t>
+              <a:t>6/15/2023</a:t>
             </a:fld>
             <a:endParaRPr lang="en-US"/>
           </a:p>
@@ -1405,7 +1405,7 @@
           <a:p>
             <a:fld id="{3AD60914-9850-4B4A-BBA9-FC9F3CF89E71}" type="datetimeFigureOut">
               <a:rPr lang="en-US" smtClean="0"/>
-              <a:t>1/24/2023</a:t>
+              <a:t>6/15/2023</a:t>
             </a:fld>
             <a:endParaRPr lang="en-US"/>
           </a:p>
@@ -1817,7 +1817,7 @@
           <a:p>
             <a:fld id="{3AD60914-9850-4B4A-BBA9-FC9F3CF89E71}" type="datetimeFigureOut">
               <a:rPr lang="en-US" smtClean="0"/>
-              <a:t>1/24/2023</a:t>
+              <a:t>6/15/2023</a:t>
             </a:fld>
             <a:endParaRPr lang="en-US"/>
           </a:p>
@@ -1958,7 +1958,7 @@
           <a:p>
             <a:fld id="{3AD60914-9850-4B4A-BBA9-FC9F3CF89E71}" type="datetimeFigureOut">
               <a:rPr lang="en-US" smtClean="0"/>
-              <a:t>1/24/2023</a:t>
+              <a:t>6/15/2023</a:t>
             </a:fld>
             <a:endParaRPr lang="en-US"/>
           </a:p>
@@ -2071,7 +2071,7 @@
           <a:p>
             <a:fld id="{3AD60914-9850-4B4A-BBA9-FC9F3CF89E71}" type="datetimeFigureOut">
               <a:rPr lang="en-US" smtClean="0"/>
-              <a:t>1/24/2023</a:t>
+              <a:t>6/15/2023</a:t>
             </a:fld>
             <a:endParaRPr lang="en-US"/>
           </a:p>
@@ -2382,7 +2382,7 @@
           <a:p>
             <a:fld id="{3AD60914-9850-4B4A-BBA9-FC9F3CF89E71}" type="datetimeFigureOut">
               <a:rPr lang="en-US" smtClean="0"/>
-              <a:t>1/24/2023</a:t>
+              <a:t>6/15/2023</a:t>
             </a:fld>
             <a:endParaRPr lang="en-US"/>
           </a:p>
@@ -2670,7 +2670,7 @@
           <a:p>
             <a:fld id="{3AD60914-9850-4B4A-BBA9-FC9F3CF89E71}" type="datetimeFigureOut">
               <a:rPr lang="en-US" smtClean="0"/>
-              <a:t>1/24/2023</a:t>
+              <a:t>6/15/2023</a:t>
             </a:fld>
             <a:endParaRPr lang="en-US"/>
           </a:p>
@@ -2911,7 +2911,7 @@
           <a:p>
             <a:fld id="{3AD60914-9850-4B4A-BBA9-FC9F3CF89E71}" type="datetimeFigureOut">
               <a:rPr lang="en-US" smtClean="0"/>
-              <a:t>1/24/2023</a:t>
+              <a:t>6/15/2023</a:t>
             </a:fld>
             <a:endParaRPr lang="en-US"/>
           </a:p>
@@ -4263,8 +4263,8 @@
         </p:nvSpPr>
         <p:spPr>
           <a:xfrm>
-            <a:off x="5421471" y="214378"/>
-            <a:ext cx="2976079" cy="646331"/>
+            <a:off x="6096000" y="153415"/>
+            <a:ext cx="2976079" cy="923330"/>
           </a:xfrm>
           <a:prstGeom prst="rect">
             <a:avLst/>
@@ -4279,13 +4279,19 @@
           <a:p>
             <a:r>
               <a:rPr lang="en-US"/>
+              <a:t>Codec</a:t>
+            </a:r>
+          </a:p>
+          <a:p>
+            <a:r>
+              <a:rPr lang="en-US"/>
               <a:t>APSrestore</a:t>
             </a:r>
           </a:p>
           <a:p>
             <a:r>
               <a:rPr lang="en-US"/>
-              <a:t>Codec</a:t>
+              <a:t>Count</a:t>
             </a:r>
           </a:p>
         </p:txBody>
@@ -6815,8 +6821,8 @@
         </p:nvSpPr>
         <p:spPr>
           <a:xfrm>
-            <a:off x="5421471" y="214378"/>
-            <a:ext cx="2976079" cy="646331"/>
+            <a:off x="6097444" y="213093"/>
+            <a:ext cx="2976079" cy="923330"/>
           </a:xfrm>
           <a:prstGeom prst="rect">
             <a:avLst/>
@@ -6831,13 +6837,19 @@
           <a:p>
             <a:r>
               <a:rPr lang="en-US"/>
+              <a:t>Codec = 0: H.264/AVC</a:t>
+            </a:r>
+          </a:p>
+          <a:p>
+            <a:r>
+              <a:rPr lang="en-US"/>
               <a:t>APSrestore = 0</a:t>
             </a:r>
           </a:p>
           <a:p>
             <a:r>
               <a:rPr lang="en-US"/>
-              <a:t>Codec = 0: H.264/AVC</a:t>
+              <a:t>Count = 0</a:t>
             </a:r>
           </a:p>
         </p:txBody>
@@ -10782,8 +10794,8 @@
         </p:nvSpPr>
         <p:spPr>
           <a:xfrm>
-            <a:off x="5916771" y="214378"/>
-            <a:ext cx="2976079" cy="646331"/>
+            <a:off x="6712648" y="363284"/>
+            <a:ext cx="2976079" cy="923330"/>
           </a:xfrm>
           <a:prstGeom prst="rect">
             <a:avLst/>
@@ -10798,13 +10810,19 @@
           <a:p>
             <a:r>
               <a:rPr lang="en-US"/>
-              <a:t>APSrestore = 2</a:t>
-            </a:r>
-          </a:p>
-          <a:p>
-            <a:r>
-              <a:rPr lang="en-US"/>
               <a:t>Codec = 2:H.266/VVC</a:t>
+            </a:r>
+          </a:p>
+          <a:p>
+            <a:r>
+              <a:rPr lang="en-US"/>
+              <a:t>APSrestore = 1</a:t>
+            </a:r>
+          </a:p>
+          <a:p>
+            <a:r>
+              <a:rPr lang="en-US"/>
+              <a:t>Count = 3</a:t>
             </a:r>
           </a:p>
         </p:txBody>
@@ -11263,6 +11281,13 @@
             <a:r>
               <a:rPr lang="en-US"/>
               <a:t>APS Buffer</a:t>
+            </a:r>
+          </a:p>
+          <a:p>
+            <a:pPr algn="ctr"/>
+            <a:r>
+              <a:rPr lang="en-US"/>
+              <a:t>Source</a:t>
             </a:r>
           </a:p>
         </p:txBody>

--- a/docs/NALUProcessing.pptx
+++ b/docs/NALUProcessing.pptx
@@ -8,6 +8,7 @@
     <p:sldId id="256" r:id="rId2"/>
     <p:sldId id="257" r:id="rId3"/>
     <p:sldId id="258" r:id="rId4"/>
+    <p:sldId id="259" r:id="rId5"/>
   </p:sldIdLst>
   <p:sldSz cx="12192000" cy="6858000"/>
   <p:notesSz cx="6858000" cy="9144000"/>
@@ -261,7 +262,7 @@
           <a:p>
             <a:fld id="{3AD60914-9850-4B4A-BBA9-FC9F3CF89E71}" type="datetimeFigureOut">
               <a:rPr lang="en-US" smtClean="0"/>
-              <a:t>6/15/2023</a:t>
+              <a:t>3/4/2024</a:t>
             </a:fld>
             <a:endParaRPr lang="en-US"/>
           </a:p>
@@ -459,7 +460,7 @@
           <a:p>
             <a:fld id="{3AD60914-9850-4B4A-BBA9-FC9F3CF89E71}" type="datetimeFigureOut">
               <a:rPr lang="en-US" smtClean="0"/>
-              <a:t>6/15/2023</a:t>
+              <a:t>3/4/2024</a:t>
             </a:fld>
             <a:endParaRPr lang="en-US"/>
           </a:p>
@@ -667,7 +668,7 @@
           <a:p>
             <a:fld id="{3AD60914-9850-4B4A-BBA9-FC9F3CF89E71}" type="datetimeFigureOut">
               <a:rPr lang="en-US" smtClean="0"/>
-              <a:t>6/15/2023</a:t>
+              <a:t>3/4/2024</a:t>
             </a:fld>
             <a:endParaRPr lang="en-US"/>
           </a:p>
@@ -865,7 +866,7 @@
           <a:p>
             <a:fld id="{3AD60914-9850-4B4A-BBA9-FC9F3CF89E71}" type="datetimeFigureOut">
               <a:rPr lang="en-US" smtClean="0"/>
-              <a:t>6/15/2023</a:t>
+              <a:t>3/4/2024</a:t>
             </a:fld>
             <a:endParaRPr lang="en-US"/>
           </a:p>
@@ -1140,7 +1141,7 @@
           <a:p>
             <a:fld id="{3AD60914-9850-4B4A-BBA9-FC9F3CF89E71}" type="datetimeFigureOut">
               <a:rPr lang="en-US" smtClean="0"/>
-              <a:t>6/15/2023</a:t>
+              <a:t>3/4/2024</a:t>
             </a:fld>
             <a:endParaRPr lang="en-US"/>
           </a:p>
@@ -1405,7 +1406,7 @@
           <a:p>
             <a:fld id="{3AD60914-9850-4B4A-BBA9-FC9F3CF89E71}" type="datetimeFigureOut">
               <a:rPr lang="en-US" smtClean="0"/>
-              <a:t>6/15/2023</a:t>
+              <a:t>3/4/2024</a:t>
             </a:fld>
             <a:endParaRPr lang="en-US"/>
           </a:p>
@@ -1817,7 +1818,7 @@
           <a:p>
             <a:fld id="{3AD60914-9850-4B4A-BBA9-FC9F3CF89E71}" type="datetimeFigureOut">
               <a:rPr lang="en-US" smtClean="0"/>
-              <a:t>6/15/2023</a:t>
+              <a:t>3/4/2024</a:t>
             </a:fld>
             <a:endParaRPr lang="en-US"/>
           </a:p>
@@ -1958,7 +1959,7 @@
           <a:p>
             <a:fld id="{3AD60914-9850-4B4A-BBA9-FC9F3CF89E71}" type="datetimeFigureOut">
               <a:rPr lang="en-US" smtClean="0"/>
-              <a:t>6/15/2023</a:t>
+              <a:t>3/4/2024</a:t>
             </a:fld>
             <a:endParaRPr lang="en-US"/>
           </a:p>
@@ -2071,7 +2072,7 @@
           <a:p>
             <a:fld id="{3AD60914-9850-4B4A-BBA9-FC9F3CF89E71}" type="datetimeFigureOut">
               <a:rPr lang="en-US" smtClean="0"/>
-              <a:t>6/15/2023</a:t>
+              <a:t>3/4/2024</a:t>
             </a:fld>
             <a:endParaRPr lang="en-US"/>
           </a:p>
@@ -2382,7 +2383,7 @@
           <a:p>
             <a:fld id="{3AD60914-9850-4B4A-BBA9-FC9F3CF89E71}" type="datetimeFigureOut">
               <a:rPr lang="en-US" smtClean="0"/>
-              <a:t>6/15/2023</a:t>
+              <a:t>3/4/2024</a:t>
             </a:fld>
             <a:endParaRPr lang="en-US"/>
           </a:p>
@@ -2670,7 +2671,7 @@
           <a:p>
             <a:fld id="{3AD60914-9850-4B4A-BBA9-FC9F3CF89E71}" type="datetimeFigureOut">
               <a:rPr lang="en-US" smtClean="0"/>
-              <a:t>6/15/2023</a:t>
+              <a:t>3/4/2024</a:t>
             </a:fld>
             <a:endParaRPr lang="en-US"/>
           </a:p>
@@ -2911,7 +2912,7 @@
           <a:p>
             <a:fld id="{3AD60914-9850-4B4A-BBA9-FC9F3CF89E71}" type="datetimeFigureOut">
               <a:rPr lang="en-US" smtClean="0"/>
-              <a:t>6/15/2023</a:t>
+              <a:t>3/4/2024</a:t>
             </a:fld>
             <a:endParaRPr lang="en-US"/>
           </a:p>
@@ -9763,7 +9764,7 @@
           <a:p>
             <a:r>
               <a:rPr lang="en-US"/>
-              <a:t>NALid VCL</a:t>
+              <a:t>VCLid</a:t>
             </a:r>
           </a:p>
         </p:txBody>
@@ -9798,7 +9799,7 @@
           <a:p>
             <a:r>
               <a:rPr lang="en-US"/>
-              <a:t>NALid VCL</a:t>
+              <a:t>VCLid</a:t>
             </a:r>
           </a:p>
         </p:txBody>
@@ -11296,6 +11297,2697 @@
     <p:extLst>
       <p:ext uri="{BB962C8B-B14F-4D97-AF65-F5344CB8AC3E}">
         <p14:creationId xmlns:p14="http://schemas.microsoft.com/office/powerpoint/2010/main" val="2370656393"/>
+      </p:ext>
+    </p:extLst>
+  </p:cSld>
+  <p:clrMapOvr>
+    <a:masterClrMapping/>
+  </p:clrMapOvr>
+</p:sld>
+</file>
+
+<file path=ppt/slides/slide4.xml><?xml version="1.0" encoding="utf-8"?>
+<p:sld xmlns:a="http://schemas.openxmlformats.org/drawingml/2006/main" xmlns:r="http://schemas.openxmlformats.org/officeDocument/2006/relationships" xmlns:p="http://schemas.openxmlformats.org/presentationml/2006/main">
+  <p:cSld>
+    <p:spTree>
+      <p:nvGrpSpPr>
+        <p:cNvPr id="1" name="">
+          <a:extLst>
+            <a:ext uri="{FF2B5EF4-FFF2-40B4-BE49-F238E27FC236}">
+              <a16:creationId xmlns:a16="http://schemas.microsoft.com/office/drawing/2014/main" id="{AF70C077-1A64-4A70-76E6-C8F26C318A28}"/>
+            </a:ext>
+          </a:extLst>
+        </p:cNvPr>
+        <p:cNvGrpSpPr/>
+        <p:nvPr/>
+      </p:nvGrpSpPr>
+      <p:grpSpPr>
+        <a:xfrm>
+          <a:off x="0" y="0"/>
+          <a:ext cx="0" cy="0"/>
+          <a:chOff x="0" y="0"/>
+          <a:chExt cx="0" cy="0"/>
+        </a:xfrm>
+      </p:grpSpPr>
+      <p:sp>
+        <p:nvSpPr>
+          <p:cNvPr id="43" name="TextBox 42">
+            <a:extLst>
+              <a:ext uri="{FF2B5EF4-FFF2-40B4-BE49-F238E27FC236}">
+                <a16:creationId xmlns:a16="http://schemas.microsoft.com/office/drawing/2014/main" id="{6C5F5302-7809-AB57-A6A0-72F7E8EAAB74}"/>
+              </a:ext>
+            </a:extLst>
+          </p:cNvPr>
+          <p:cNvSpPr txBox="1"/>
+          <p:nvPr/>
+        </p:nvSpPr>
+        <p:spPr>
+          <a:xfrm>
+            <a:off x="115751" y="3923877"/>
+            <a:ext cx="6092890" cy="369332"/>
+          </a:xfrm>
+          <a:prstGeom prst="rect">
+            <a:avLst/>
+          </a:prstGeom>
+          <a:noFill/>
+        </p:spPr>
+        <p:txBody>
+          <a:bodyPr wrap="square">
+            <a:spAutoFit/>
+          </a:bodyPr>
+          <a:lstStyle/>
+          <a:p>
+            <a:r>
+              <a:rPr lang="en-US"/>
+              <a:t>VCLid</a:t>
+            </a:r>
+          </a:p>
+        </p:txBody>
+      </p:sp>
+      <p:sp>
+        <p:nvSpPr>
+          <p:cNvPr id="42" name="TextBox 41">
+            <a:extLst>
+              <a:ext uri="{FF2B5EF4-FFF2-40B4-BE49-F238E27FC236}">
+                <a16:creationId xmlns:a16="http://schemas.microsoft.com/office/drawing/2014/main" id="{40F0BDB2-CDC9-78F5-F48C-E067566008A2}"/>
+              </a:ext>
+            </a:extLst>
+          </p:cNvPr>
+          <p:cNvSpPr txBox="1"/>
+          <p:nvPr/>
+        </p:nvSpPr>
+        <p:spPr>
+          <a:xfrm>
+            <a:off x="117066" y="1945540"/>
+            <a:ext cx="6092890" cy="369332"/>
+          </a:xfrm>
+          <a:prstGeom prst="rect">
+            <a:avLst/>
+          </a:prstGeom>
+          <a:noFill/>
+        </p:spPr>
+        <p:txBody>
+          <a:bodyPr wrap="square">
+            <a:spAutoFit/>
+          </a:bodyPr>
+          <a:lstStyle/>
+          <a:p>
+            <a:r>
+              <a:rPr lang="en-US"/>
+              <a:t>NALid</a:t>
+            </a:r>
+          </a:p>
+        </p:txBody>
+      </p:sp>
+      <p:sp>
+        <p:nvSpPr>
+          <p:cNvPr id="58" name="Rectangle 57">
+            <a:extLst>
+              <a:ext uri="{FF2B5EF4-FFF2-40B4-BE49-F238E27FC236}">
+                <a16:creationId xmlns:a16="http://schemas.microsoft.com/office/drawing/2014/main" id="{E88E0865-DFBB-6093-3A2E-9BE4328ADC43}"/>
+              </a:ext>
+            </a:extLst>
+          </p:cNvPr>
+          <p:cNvSpPr/>
+          <p:nvPr/>
+        </p:nvSpPr>
+        <p:spPr>
+          <a:xfrm>
+            <a:off x="9146786" y="3440905"/>
+            <a:ext cx="409433" cy="409433"/>
+          </a:xfrm>
+          <a:prstGeom prst="rect">
+            <a:avLst/>
+          </a:prstGeom>
+        </p:spPr>
+        <p:style>
+          <a:lnRef idx="2">
+            <a:schemeClr val="accent1">
+              <a:shade val="50000"/>
+            </a:schemeClr>
+          </a:lnRef>
+          <a:fillRef idx="1">
+            <a:schemeClr val="accent1"/>
+          </a:fillRef>
+          <a:effectRef idx="0">
+            <a:schemeClr val="accent1"/>
+          </a:effectRef>
+          <a:fontRef idx="minor">
+            <a:schemeClr val="lt1"/>
+          </a:fontRef>
+        </p:style>
+        <p:txBody>
+          <a:bodyPr rtlCol="0" anchor="ctr"/>
+          <a:lstStyle/>
+          <a:p>
+            <a:pPr algn="ctr"/>
+            <a:r>
+              <a:rPr lang="en-US"/>
+              <a:t>P</a:t>
+            </a:r>
+          </a:p>
+        </p:txBody>
+      </p:sp>
+      <p:sp>
+        <p:nvSpPr>
+          <p:cNvPr id="51" name="Rectangle 50">
+            <a:extLst>
+              <a:ext uri="{FF2B5EF4-FFF2-40B4-BE49-F238E27FC236}">
+                <a16:creationId xmlns:a16="http://schemas.microsoft.com/office/drawing/2014/main" id="{AF40B960-0993-34FD-45EF-8A09C5A88EB0}"/>
+              </a:ext>
+            </a:extLst>
+          </p:cNvPr>
+          <p:cNvSpPr/>
+          <p:nvPr/>
+        </p:nvSpPr>
+        <p:spPr>
+          <a:xfrm>
+            <a:off x="8534017" y="3440906"/>
+            <a:ext cx="409433" cy="409433"/>
+          </a:xfrm>
+          <a:prstGeom prst="rect">
+            <a:avLst/>
+          </a:prstGeom>
+          <a:solidFill>
+            <a:srgbClr val="00B050"/>
+          </a:solidFill>
+          <a:ln>
+            <a:solidFill>
+              <a:srgbClr val="92D050"/>
+            </a:solidFill>
+          </a:ln>
+        </p:spPr>
+        <p:style>
+          <a:lnRef idx="2">
+            <a:schemeClr val="accent1">
+              <a:shade val="50000"/>
+            </a:schemeClr>
+          </a:lnRef>
+          <a:fillRef idx="1">
+            <a:schemeClr val="accent1"/>
+          </a:fillRef>
+          <a:effectRef idx="0">
+            <a:schemeClr val="accent1"/>
+          </a:effectRef>
+          <a:fontRef idx="minor">
+            <a:schemeClr val="lt1"/>
+          </a:fontRef>
+        </p:style>
+        <p:txBody>
+          <a:bodyPr rtlCol="0" anchor="ctr"/>
+          <a:lstStyle/>
+          <a:p>
+            <a:pPr algn="ctr"/>
+            <a:r>
+              <a:rPr lang="en-US"/>
+              <a:t>P</a:t>
+            </a:r>
+          </a:p>
+        </p:txBody>
+      </p:sp>
+      <p:sp>
+        <p:nvSpPr>
+          <p:cNvPr id="53" name="Rectangle 52">
+            <a:extLst>
+              <a:ext uri="{FF2B5EF4-FFF2-40B4-BE49-F238E27FC236}">
+                <a16:creationId xmlns:a16="http://schemas.microsoft.com/office/drawing/2014/main" id="{9414808F-8C9E-BC04-A1CF-FE5419184E9E}"/>
+              </a:ext>
+            </a:extLst>
+          </p:cNvPr>
+          <p:cNvSpPr/>
+          <p:nvPr/>
+        </p:nvSpPr>
+        <p:spPr>
+          <a:xfrm>
+            <a:off x="9758219" y="3440905"/>
+            <a:ext cx="409433" cy="409433"/>
+          </a:xfrm>
+          <a:prstGeom prst="rect">
+            <a:avLst/>
+          </a:prstGeom>
+          <a:solidFill>
+            <a:srgbClr val="00B050"/>
+          </a:solidFill>
+          <a:ln>
+            <a:solidFill>
+              <a:srgbClr val="92D050"/>
+            </a:solidFill>
+          </a:ln>
+        </p:spPr>
+        <p:style>
+          <a:lnRef idx="2">
+            <a:schemeClr val="accent1">
+              <a:shade val="50000"/>
+            </a:schemeClr>
+          </a:lnRef>
+          <a:fillRef idx="1">
+            <a:schemeClr val="accent1"/>
+          </a:fillRef>
+          <a:effectRef idx="0">
+            <a:schemeClr val="accent1"/>
+          </a:effectRef>
+          <a:fontRef idx="minor">
+            <a:schemeClr val="lt1"/>
+          </a:fontRef>
+        </p:style>
+        <p:txBody>
+          <a:bodyPr rtlCol="0" anchor="ctr"/>
+          <a:lstStyle/>
+          <a:p>
+            <a:pPr algn="ctr"/>
+            <a:r>
+              <a:rPr lang="en-US"/>
+              <a:t>I</a:t>
+            </a:r>
+          </a:p>
+        </p:txBody>
+      </p:sp>
+      <p:sp>
+        <p:nvSpPr>
+          <p:cNvPr id="5" name="TextBox 4">
+            <a:extLst>
+              <a:ext uri="{FF2B5EF4-FFF2-40B4-BE49-F238E27FC236}">
+                <a16:creationId xmlns:a16="http://schemas.microsoft.com/office/drawing/2014/main" id="{B52988EE-42AA-ABAF-A447-B32CB37418AB}"/>
+              </a:ext>
+            </a:extLst>
+          </p:cNvPr>
+          <p:cNvSpPr txBox="1"/>
+          <p:nvPr/>
+        </p:nvSpPr>
+        <p:spPr>
+          <a:xfrm>
+            <a:off x="117066" y="842575"/>
+            <a:ext cx="1552432" cy="369332"/>
+          </a:xfrm>
+          <a:prstGeom prst="rect">
+            <a:avLst/>
+          </a:prstGeom>
+          <a:noFill/>
+        </p:spPr>
+        <p:txBody>
+          <a:bodyPr wrap="square">
+            <a:spAutoFit/>
+          </a:bodyPr>
+          <a:lstStyle/>
+          <a:p>
+            <a:r>
+              <a:rPr lang="en-US"/>
+              <a:t>input Source</a:t>
+            </a:r>
+          </a:p>
+        </p:txBody>
+      </p:sp>
+      <p:sp>
+        <p:nvSpPr>
+          <p:cNvPr id="7" name="TextBox 6">
+            <a:extLst>
+              <a:ext uri="{FF2B5EF4-FFF2-40B4-BE49-F238E27FC236}">
+                <a16:creationId xmlns:a16="http://schemas.microsoft.com/office/drawing/2014/main" id="{391515C6-CE24-8441-D5F1-82C5C3FEB924}"/>
+              </a:ext>
+            </a:extLst>
+          </p:cNvPr>
+          <p:cNvSpPr txBox="1"/>
+          <p:nvPr/>
+        </p:nvSpPr>
+        <p:spPr>
+          <a:xfrm>
+            <a:off x="117066" y="3543355"/>
+            <a:ext cx="1552432" cy="369332"/>
+          </a:xfrm>
+          <a:prstGeom prst="rect">
+            <a:avLst/>
+          </a:prstGeom>
+          <a:noFill/>
+        </p:spPr>
+        <p:txBody>
+          <a:bodyPr wrap="square">
+            <a:spAutoFit/>
+          </a:bodyPr>
+          <a:lstStyle/>
+          <a:p>
+            <a:r>
+              <a:rPr lang="en-US"/>
+              <a:t>input Inject</a:t>
+            </a:r>
+          </a:p>
+        </p:txBody>
+      </p:sp>
+      <p:sp>
+        <p:nvSpPr>
+          <p:cNvPr id="9" name="TextBox 8">
+            <a:extLst>
+              <a:ext uri="{FF2B5EF4-FFF2-40B4-BE49-F238E27FC236}">
+                <a16:creationId xmlns:a16="http://schemas.microsoft.com/office/drawing/2014/main" id="{28D18123-EAF0-3906-679F-C31709F60712}"/>
+              </a:ext>
+            </a:extLst>
+          </p:cNvPr>
+          <p:cNvSpPr txBox="1"/>
+          <p:nvPr/>
+        </p:nvSpPr>
+        <p:spPr>
+          <a:xfrm>
+            <a:off x="10689215" y="2928139"/>
+            <a:ext cx="1347715" cy="369332"/>
+          </a:xfrm>
+          <a:prstGeom prst="rect">
+            <a:avLst/>
+          </a:prstGeom>
+          <a:noFill/>
+        </p:spPr>
+        <p:txBody>
+          <a:bodyPr wrap="square">
+            <a:spAutoFit/>
+          </a:bodyPr>
+          <a:lstStyle/>
+          <a:p>
+            <a:r>
+              <a:rPr lang="en-US"/>
+              <a:t>output</a:t>
+            </a:r>
+          </a:p>
+        </p:txBody>
+      </p:sp>
+      <p:sp>
+        <p:nvSpPr>
+          <p:cNvPr id="11" name="Rectangle 10">
+            <a:extLst>
+              <a:ext uri="{FF2B5EF4-FFF2-40B4-BE49-F238E27FC236}">
+                <a16:creationId xmlns:a16="http://schemas.microsoft.com/office/drawing/2014/main" id="{F70F514E-9985-B34B-BDD0-1962AB6B14E3}"/>
+              </a:ext>
+            </a:extLst>
+          </p:cNvPr>
+          <p:cNvSpPr/>
+          <p:nvPr/>
+        </p:nvSpPr>
+        <p:spPr>
+          <a:xfrm>
+            <a:off x="890517" y="1574640"/>
+            <a:ext cx="409433" cy="409433"/>
+          </a:xfrm>
+          <a:prstGeom prst="rect">
+            <a:avLst/>
+          </a:prstGeom>
+        </p:spPr>
+        <p:style>
+          <a:lnRef idx="2">
+            <a:schemeClr val="accent1">
+              <a:shade val="50000"/>
+            </a:schemeClr>
+          </a:lnRef>
+          <a:fillRef idx="1">
+            <a:schemeClr val="accent1"/>
+          </a:fillRef>
+          <a:effectRef idx="0">
+            <a:schemeClr val="accent1"/>
+          </a:effectRef>
+          <a:fontRef idx="minor">
+            <a:schemeClr val="lt1"/>
+          </a:fontRef>
+        </p:style>
+        <p:txBody>
+          <a:bodyPr rtlCol="0" anchor="ctr"/>
+          <a:lstStyle/>
+          <a:p>
+            <a:pPr algn="ctr"/>
+            <a:r>
+              <a:rPr lang="en-US"/>
+              <a:t>P</a:t>
+            </a:r>
+          </a:p>
+        </p:txBody>
+      </p:sp>
+      <p:sp>
+        <p:nvSpPr>
+          <p:cNvPr id="12" name="Rectangle 11">
+            <a:extLst>
+              <a:ext uri="{FF2B5EF4-FFF2-40B4-BE49-F238E27FC236}">
+                <a16:creationId xmlns:a16="http://schemas.microsoft.com/office/drawing/2014/main" id="{B0FD26E6-9D29-6111-C50C-F9F409F9DA83}"/>
+              </a:ext>
+            </a:extLst>
+          </p:cNvPr>
+          <p:cNvSpPr/>
+          <p:nvPr/>
+        </p:nvSpPr>
+        <p:spPr>
+          <a:xfrm>
+            <a:off x="1502618" y="1574639"/>
+            <a:ext cx="409433" cy="409433"/>
+          </a:xfrm>
+          <a:prstGeom prst="rect">
+            <a:avLst/>
+          </a:prstGeom>
+        </p:spPr>
+        <p:style>
+          <a:lnRef idx="2">
+            <a:schemeClr val="accent1">
+              <a:shade val="50000"/>
+            </a:schemeClr>
+          </a:lnRef>
+          <a:fillRef idx="1">
+            <a:schemeClr val="accent1"/>
+          </a:fillRef>
+          <a:effectRef idx="0">
+            <a:schemeClr val="accent1"/>
+          </a:effectRef>
+          <a:fontRef idx="minor">
+            <a:schemeClr val="lt1"/>
+          </a:fontRef>
+        </p:style>
+        <p:txBody>
+          <a:bodyPr rtlCol="0" anchor="ctr"/>
+          <a:lstStyle/>
+          <a:p>
+            <a:pPr algn="ctr"/>
+            <a:r>
+              <a:rPr lang="en-US"/>
+              <a:t>P</a:t>
+            </a:r>
+          </a:p>
+        </p:txBody>
+      </p:sp>
+      <p:sp>
+        <p:nvSpPr>
+          <p:cNvPr id="13" name="Rectangle 12">
+            <a:extLst>
+              <a:ext uri="{FF2B5EF4-FFF2-40B4-BE49-F238E27FC236}">
+                <a16:creationId xmlns:a16="http://schemas.microsoft.com/office/drawing/2014/main" id="{1C4133D3-6870-5AF3-0BA1-A50A3ABFB003}"/>
+              </a:ext>
+            </a:extLst>
+          </p:cNvPr>
+          <p:cNvSpPr/>
+          <p:nvPr/>
+        </p:nvSpPr>
+        <p:spPr>
+          <a:xfrm>
+            <a:off x="2114719" y="1574638"/>
+            <a:ext cx="409433" cy="409433"/>
+          </a:xfrm>
+          <a:prstGeom prst="rect">
+            <a:avLst/>
+          </a:prstGeom>
+        </p:spPr>
+        <p:style>
+          <a:lnRef idx="2">
+            <a:schemeClr val="accent1">
+              <a:shade val="50000"/>
+            </a:schemeClr>
+          </a:lnRef>
+          <a:fillRef idx="1">
+            <a:schemeClr val="accent1"/>
+          </a:fillRef>
+          <a:effectRef idx="0">
+            <a:schemeClr val="accent1"/>
+          </a:effectRef>
+          <a:fontRef idx="minor">
+            <a:schemeClr val="lt1"/>
+          </a:fontRef>
+        </p:style>
+        <p:txBody>
+          <a:bodyPr rtlCol="0" anchor="ctr"/>
+          <a:lstStyle/>
+          <a:p>
+            <a:pPr algn="ctr"/>
+            <a:r>
+              <a:rPr lang="en-US"/>
+              <a:t>P</a:t>
+            </a:r>
+          </a:p>
+        </p:txBody>
+      </p:sp>
+      <p:sp>
+        <p:nvSpPr>
+          <p:cNvPr id="14" name="Rectangle 13">
+            <a:extLst>
+              <a:ext uri="{FF2B5EF4-FFF2-40B4-BE49-F238E27FC236}">
+                <a16:creationId xmlns:a16="http://schemas.microsoft.com/office/drawing/2014/main" id="{E6655F95-97FF-82B3-B0D4-CF31D0546547}"/>
+              </a:ext>
+            </a:extLst>
+          </p:cNvPr>
+          <p:cNvSpPr/>
+          <p:nvPr/>
+        </p:nvSpPr>
+        <p:spPr>
+          <a:xfrm>
+            <a:off x="2726820" y="1574638"/>
+            <a:ext cx="409433" cy="409433"/>
+          </a:xfrm>
+          <a:prstGeom prst="rect">
+            <a:avLst/>
+          </a:prstGeom>
+        </p:spPr>
+        <p:style>
+          <a:lnRef idx="2">
+            <a:schemeClr val="accent1">
+              <a:shade val="50000"/>
+            </a:schemeClr>
+          </a:lnRef>
+          <a:fillRef idx="1">
+            <a:schemeClr val="accent1"/>
+          </a:fillRef>
+          <a:effectRef idx="0">
+            <a:schemeClr val="accent1"/>
+          </a:effectRef>
+          <a:fontRef idx="minor">
+            <a:schemeClr val="lt1"/>
+          </a:fontRef>
+        </p:style>
+        <p:txBody>
+          <a:bodyPr rtlCol="0" anchor="ctr"/>
+          <a:lstStyle/>
+          <a:p>
+            <a:pPr algn="ctr"/>
+            <a:r>
+              <a:rPr lang="en-US"/>
+              <a:t>I</a:t>
+            </a:r>
+          </a:p>
+        </p:txBody>
+      </p:sp>
+      <p:sp>
+        <p:nvSpPr>
+          <p:cNvPr id="15" name="Rectangle 14">
+            <a:extLst>
+              <a:ext uri="{FF2B5EF4-FFF2-40B4-BE49-F238E27FC236}">
+                <a16:creationId xmlns:a16="http://schemas.microsoft.com/office/drawing/2014/main" id="{407B7E76-9A8E-1921-6D3E-BCF66E700B88}"/>
+              </a:ext>
+            </a:extLst>
+          </p:cNvPr>
+          <p:cNvSpPr/>
+          <p:nvPr/>
+        </p:nvSpPr>
+        <p:spPr>
+          <a:xfrm>
+            <a:off x="3338921" y="1574637"/>
+            <a:ext cx="409433" cy="409433"/>
+          </a:xfrm>
+          <a:prstGeom prst="rect">
+            <a:avLst/>
+          </a:prstGeom>
+        </p:spPr>
+        <p:style>
+          <a:lnRef idx="2">
+            <a:schemeClr val="accent1">
+              <a:shade val="50000"/>
+            </a:schemeClr>
+          </a:lnRef>
+          <a:fillRef idx="1">
+            <a:schemeClr val="accent1"/>
+          </a:fillRef>
+          <a:effectRef idx="0">
+            <a:schemeClr val="accent1"/>
+          </a:effectRef>
+          <a:fontRef idx="minor">
+            <a:schemeClr val="lt1"/>
+          </a:fontRef>
+        </p:style>
+        <p:txBody>
+          <a:bodyPr rtlCol="0" anchor="ctr"/>
+          <a:lstStyle/>
+          <a:p>
+            <a:pPr algn="ctr"/>
+            <a:r>
+              <a:rPr lang="en-US" sz="1100"/>
+              <a:t>PPS</a:t>
+            </a:r>
+          </a:p>
+        </p:txBody>
+      </p:sp>
+      <p:sp>
+        <p:nvSpPr>
+          <p:cNvPr id="16" name="Rectangle 15">
+            <a:extLst>
+              <a:ext uri="{FF2B5EF4-FFF2-40B4-BE49-F238E27FC236}">
+                <a16:creationId xmlns:a16="http://schemas.microsoft.com/office/drawing/2014/main" id="{AA40E941-0521-5D75-C57B-167FF22A8C24}"/>
+              </a:ext>
+            </a:extLst>
+          </p:cNvPr>
+          <p:cNvSpPr/>
+          <p:nvPr/>
+        </p:nvSpPr>
+        <p:spPr>
+          <a:xfrm>
+            <a:off x="3951021" y="1574636"/>
+            <a:ext cx="409433" cy="409433"/>
+          </a:xfrm>
+          <a:prstGeom prst="rect">
+            <a:avLst/>
+          </a:prstGeom>
+        </p:spPr>
+        <p:style>
+          <a:lnRef idx="2">
+            <a:schemeClr val="accent1">
+              <a:shade val="50000"/>
+            </a:schemeClr>
+          </a:lnRef>
+          <a:fillRef idx="1">
+            <a:schemeClr val="accent1"/>
+          </a:fillRef>
+          <a:effectRef idx="0">
+            <a:schemeClr val="accent1"/>
+          </a:effectRef>
+          <a:fontRef idx="minor">
+            <a:schemeClr val="lt1"/>
+          </a:fontRef>
+        </p:style>
+        <p:txBody>
+          <a:bodyPr rtlCol="0" anchor="ctr"/>
+          <a:lstStyle/>
+          <a:p>
+            <a:pPr algn="ctr"/>
+            <a:r>
+              <a:rPr lang="en-US" sz="1100"/>
+              <a:t>SPS</a:t>
+            </a:r>
+          </a:p>
+        </p:txBody>
+      </p:sp>
+      <p:sp>
+        <p:nvSpPr>
+          <p:cNvPr id="17" name="Rectangle 16">
+            <a:extLst>
+              <a:ext uri="{FF2B5EF4-FFF2-40B4-BE49-F238E27FC236}">
+                <a16:creationId xmlns:a16="http://schemas.microsoft.com/office/drawing/2014/main" id="{43315427-7600-1978-4FEF-46B2C0B5BFEB}"/>
+              </a:ext>
+            </a:extLst>
+          </p:cNvPr>
+          <p:cNvSpPr/>
+          <p:nvPr/>
+        </p:nvSpPr>
+        <p:spPr>
+          <a:xfrm>
+            <a:off x="885737" y="4286985"/>
+            <a:ext cx="409433" cy="409433"/>
+          </a:xfrm>
+          <a:prstGeom prst="rect">
+            <a:avLst/>
+          </a:prstGeom>
+          <a:solidFill>
+            <a:srgbClr val="00B050"/>
+          </a:solidFill>
+          <a:ln>
+            <a:solidFill>
+              <a:srgbClr val="92D050"/>
+            </a:solidFill>
+          </a:ln>
+        </p:spPr>
+        <p:style>
+          <a:lnRef idx="2">
+            <a:schemeClr val="accent1">
+              <a:shade val="50000"/>
+            </a:schemeClr>
+          </a:lnRef>
+          <a:fillRef idx="1">
+            <a:schemeClr val="accent1"/>
+          </a:fillRef>
+          <a:effectRef idx="0">
+            <a:schemeClr val="accent1"/>
+          </a:effectRef>
+          <a:fontRef idx="minor">
+            <a:schemeClr val="lt1"/>
+          </a:fontRef>
+        </p:style>
+        <p:txBody>
+          <a:bodyPr rtlCol="0" anchor="ctr"/>
+          <a:lstStyle/>
+          <a:p>
+            <a:pPr algn="ctr"/>
+            <a:r>
+              <a:rPr lang="en-US"/>
+              <a:t>P</a:t>
+            </a:r>
+          </a:p>
+        </p:txBody>
+      </p:sp>
+      <p:sp>
+        <p:nvSpPr>
+          <p:cNvPr id="18" name="Rectangle 17">
+            <a:extLst>
+              <a:ext uri="{FF2B5EF4-FFF2-40B4-BE49-F238E27FC236}">
+                <a16:creationId xmlns:a16="http://schemas.microsoft.com/office/drawing/2014/main" id="{0D690D1A-170C-8485-42D2-D66626A65A11}"/>
+              </a:ext>
+            </a:extLst>
+          </p:cNvPr>
+          <p:cNvSpPr/>
+          <p:nvPr/>
+        </p:nvSpPr>
+        <p:spPr>
+          <a:xfrm>
+            <a:off x="1497838" y="4286984"/>
+            <a:ext cx="409433" cy="409433"/>
+          </a:xfrm>
+          <a:prstGeom prst="rect">
+            <a:avLst/>
+          </a:prstGeom>
+          <a:solidFill>
+            <a:srgbClr val="00B050"/>
+          </a:solidFill>
+          <a:ln>
+            <a:solidFill>
+              <a:srgbClr val="92D050"/>
+            </a:solidFill>
+          </a:ln>
+        </p:spPr>
+        <p:style>
+          <a:lnRef idx="2">
+            <a:schemeClr val="accent1">
+              <a:shade val="50000"/>
+            </a:schemeClr>
+          </a:lnRef>
+          <a:fillRef idx="1">
+            <a:schemeClr val="accent1"/>
+          </a:fillRef>
+          <a:effectRef idx="0">
+            <a:schemeClr val="accent1"/>
+          </a:effectRef>
+          <a:fontRef idx="minor">
+            <a:schemeClr val="lt1"/>
+          </a:fontRef>
+        </p:style>
+        <p:txBody>
+          <a:bodyPr rtlCol="0" anchor="ctr"/>
+          <a:lstStyle/>
+          <a:p>
+            <a:pPr algn="ctr"/>
+            <a:r>
+              <a:rPr lang="en-US"/>
+              <a:t>P</a:t>
+            </a:r>
+          </a:p>
+        </p:txBody>
+      </p:sp>
+      <p:sp>
+        <p:nvSpPr>
+          <p:cNvPr id="19" name="Rectangle 18">
+            <a:extLst>
+              <a:ext uri="{FF2B5EF4-FFF2-40B4-BE49-F238E27FC236}">
+                <a16:creationId xmlns:a16="http://schemas.microsoft.com/office/drawing/2014/main" id="{113EEC9C-0317-88CF-CFF7-C6F77634BA11}"/>
+              </a:ext>
+            </a:extLst>
+          </p:cNvPr>
+          <p:cNvSpPr/>
+          <p:nvPr/>
+        </p:nvSpPr>
+        <p:spPr>
+          <a:xfrm>
+            <a:off x="2109939" y="4286983"/>
+            <a:ext cx="409433" cy="409433"/>
+          </a:xfrm>
+          <a:prstGeom prst="rect">
+            <a:avLst/>
+          </a:prstGeom>
+          <a:solidFill>
+            <a:srgbClr val="00B050"/>
+          </a:solidFill>
+          <a:ln>
+            <a:solidFill>
+              <a:srgbClr val="92D050"/>
+            </a:solidFill>
+          </a:ln>
+        </p:spPr>
+        <p:style>
+          <a:lnRef idx="2">
+            <a:schemeClr val="accent1">
+              <a:shade val="50000"/>
+            </a:schemeClr>
+          </a:lnRef>
+          <a:fillRef idx="1">
+            <a:schemeClr val="accent1"/>
+          </a:fillRef>
+          <a:effectRef idx="0">
+            <a:schemeClr val="accent1"/>
+          </a:effectRef>
+          <a:fontRef idx="minor">
+            <a:schemeClr val="lt1"/>
+          </a:fontRef>
+        </p:style>
+        <p:txBody>
+          <a:bodyPr rtlCol="0" anchor="ctr"/>
+          <a:lstStyle/>
+          <a:p>
+            <a:pPr algn="ctr"/>
+            <a:r>
+              <a:rPr lang="en-US"/>
+              <a:t>P</a:t>
+            </a:r>
+          </a:p>
+        </p:txBody>
+      </p:sp>
+      <p:sp>
+        <p:nvSpPr>
+          <p:cNvPr id="20" name="Rectangle 19">
+            <a:extLst>
+              <a:ext uri="{FF2B5EF4-FFF2-40B4-BE49-F238E27FC236}">
+                <a16:creationId xmlns:a16="http://schemas.microsoft.com/office/drawing/2014/main" id="{7660B5DF-7B6D-9048-625D-9E124A402983}"/>
+              </a:ext>
+            </a:extLst>
+          </p:cNvPr>
+          <p:cNvSpPr/>
+          <p:nvPr/>
+        </p:nvSpPr>
+        <p:spPr>
+          <a:xfrm>
+            <a:off x="2722040" y="4286983"/>
+            <a:ext cx="409433" cy="409433"/>
+          </a:xfrm>
+          <a:prstGeom prst="rect">
+            <a:avLst/>
+          </a:prstGeom>
+          <a:solidFill>
+            <a:srgbClr val="00B050"/>
+          </a:solidFill>
+          <a:ln>
+            <a:solidFill>
+              <a:srgbClr val="92D050"/>
+            </a:solidFill>
+          </a:ln>
+        </p:spPr>
+        <p:style>
+          <a:lnRef idx="2">
+            <a:schemeClr val="accent1">
+              <a:shade val="50000"/>
+            </a:schemeClr>
+          </a:lnRef>
+          <a:fillRef idx="1">
+            <a:schemeClr val="accent1"/>
+          </a:fillRef>
+          <a:effectRef idx="0">
+            <a:schemeClr val="accent1"/>
+          </a:effectRef>
+          <a:fontRef idx="minor">
+            <a:schemeClr val="lt1"/>
+          </a:fontRef>
+        </p:style>
+        <p:txBody>
+          <a:bodyPr rtlCol="0" anchor="ctr"/>
+          <a:lstStyle/>
+          <a:p>
+            <a:pPr algn="ctr"/>
+            <a:r>
+              <a:rPr lang="en-US"/>
+              <a:t>I</a:t>
+            </a:r>
+          </a:p>
+        </p:txBody>
+      </p:sp>
+      <p:sp>
+        <p:nvSpPr>
+          <p:cNvPr id="21" name="Rectangle 20">
+            <a:extLst>
+              <a:ext uri="{FF2B5EF4-FFF2-40B4-BE49-F238E27FC236}">
+                <a16:creationId xmlns:a16="http://schemas.microsoft.com/office/drawing/2014/main" id="{83DC8908-E941-8FA5-CFA7-0C41E5DE4639}"/>
+              </a:ext>
+            </a:extLst>
+          </p:cNvPr>
+          <p:cNvSpPr/>
+          <p:nvPr/>
+        </p:nvSpPr>
+        <p:spPr>
+          <a:xfrm>
+            <a:off x="3334141" y="4286982"/>
+            <a:ext cx="409433" cy="409433"/>
+          </a:xfrm>
+          <a:prstGeom prst="rect">
+            <a:avLst/>
+          </a:prstGeom>
+          <a:solidFill>
+            <a:srgbClr val="00B050"/>
+          </a:solidFill>
+          <a:ln>
+            <a:solidFill>
+              <a:srgbClr val="92D050"/>
+            </a:solidFill>
+          </a:ln>
+        </p:spPr>
+        <p:style>
+          <a:lnRef idx="2">
+            <a:schemeClr val="accent1">
+              <a:shade val="50000"/>
+            </a:schemeClr>
+          </a:lnRef>
+          <a:fillRef idx="1">
+            <a:schemeClr val="accent1"/>
+          </a:fillRef>
+          <a:effectRef idx="0">
+            <a:schemeClr val="accent1"/>
+          </a:effectRef>
+          <a:fontRef idx="minor">
+            <a:schemeClr val="lt1"/>
+          </a:fontRef>
+        </p:style>
+        <p:txBody>
+          <a:bodyPr rtlCol="0" anchor="ctr"/>
+          <a:lstStyle/>
+          <a:p>
+            <a:pPr algn="ctr"/>
+            <a:r>
+              <a:rPr lang="en-US" sz="1100"/>
+              <a:t>PPS</a:t>
+            </a:r>
+          </a:p>
+        </p:txBody>
+      </p:sp>
+      <p:sp>
+        <p:nvSpPr>
+          <p:cNvPr id="22" name="Rectangle 21">
+            <a:extLst>
+              <a:ext uri="{FF2B5EF4-FFF2-40B4-BE49-F238E27FC236}">
+                <a16:creationId xmlns:a16="http://schemas.microsoft.com/office/drawing/2014/main" id="{99432189-A5C9-266E-612A-632877B7802F}"/>
+              </a:ext>
+            </a:extLst>
+          </p:cNvPr>
+          <p:cNvSpPr/>
+          <p:nvPr/>
+        </p:nvSpPr>
+        <p:spPr>
+          <a:xfrm>
+            <a:off x="3946241" y="4286981"/>
+            <a:ext cx="409433" cy="409433"/>
+          </a:xfrm>
+          <a:prstGeom prst="rect">
+            <a:avLst/>
+          </a:prstGeom>
+          <a:solidFill>
+            <a:srgbClr val="00B050"/>
+          </a:solidFill>
+          <a:ln>
+            <a:solidFill>
+              <a:srgbClr val="92D050"/>
+            </a:solidFill>
+          </a:ln>
+        </p:spPr>
+        <p:style>
+          <a:lnRef idx="2">
+            <a:schemeClr val="accent1">
+              <a:shade val="50000"/>
+            </a:schemeClr>
+          </a:lnRef>
+          <a:fillRef idx="1">
+            <a:schemeClr val="accent1"/>
+          </a:fillRef>
+          <a:effectRef idx="0">
+            <a:schemeClr val="accent1"/>
+          </a:effectRef>
+          <a:fontRef idx="minor">
+            <a:schemeClr val="lt1"/>
+          </a:fontRef>
+        </p:style>
+        <p:txBody>
+          <a:bodyPr rtlCol="0" anchor="ctr"/>
+          <a:lstStyle/>
+          <a:p>
+            <a:pPr algn="ctr"/>
+            <a:r>
+              <a:rPr lang="en-US" sz="1100"/>
+              <a:t>SPS</a:t>
+            </a:r>
+          </a:p>
+        </p:txBody>
+      </p:sp>
+      <p:sp>
+        <p:nvSpPr>
+          <p:cNvPr id="23" name="Arrow: Right 22">
+            <a:extLst>
+              <a:ext uri="{FF2B5EF4-FFF2-40B4-BE49-F238E27FC236}">
+                <a16:creationId xmlns:a16="http://schemas.microsoft.com/office/drawing/2014/main" id="{69250216-633C-913F-584D-EE2F2B60AB75}"/>
+              </a:ext>
+            </a:extLst>
+          </p:cNvPr>
+          <p:cNvSpPr/>
+          <p:nvPr/>
+        </p:nvSpPr>
+        <p:spPr>
+          <a:xfrm>
+            <a:off x="4585648" y="1573568"/>
+            <a:ext cx="709683" cy="409433"/>
+          </a:xfrm>
+          <a:prstGeom prst="rightArrow">
+            <a:avLst/>
+          </a:prstGeom>
+        </p:spPr>
+        <p:style>
+          <a:lnRef idx="2">
+            <a:schemeClr val="accent1">
+              <a:shade val="50000"/>
+            </a:schemeClr>
+          </a:lnRef>
+          <a:fillRef idx="1">
+            <a:schemeClr val="accent1"/>
+          </a:fillRef>
+          <a:effectRef idx="0">
+            <a:schemeClr val="accent1"/>
+          </a:effectRef>
+          <a:fontRef idx="minor">
+            <a:schemeClr val="lt1"/>
+          </a:fontRef>
+        </p:style>
+        <p:txBody>
+          <a:bodyPr rtlCol="0" anchor="ctr"/>
+          <a:lstStyle/>
+          <a:p>
+            <a:pPr algn="ctr"/>
+            <a:endParaRPr lang="en-US"/>
+          </a:p>
+        </p:txBody>
+      </p:sp>
+      <p:sp>
+        <p:nvSpPr>
+          <p:cNvPr id="24" name="Arrow: Right 23">
+            <a:extLst>
+              <a:ext uri="{FF2B5EF4-FFF2-40B4-BE49-F238E27FC236}">
+                <a16:creationId xmlns:a16="http://schemas.microsoft.com/office/drawing/2014/main" id="{ACC03509-FE63-1BCB-1D76-28617B7A21B5}"/>
+              </a:ext>
+            </a:extLst>
+          </p:cNvPr>
+          <p:cNvSpPr/>
+          <p:nvPr/>
+        </p:nvSpPr>
+        <p:spPr>
+          <a:xfrm>
+            <a:off x="4558341" y="4340500"/>
+            <a:ext cx="709683" cy="409433"/>
+          </a:xfrm>
+          <a:prstGeom prst="rightArrow">
+            <a:avLst/>
+          </a:prstGeom>
+          <a:solidFill>
+            <a:srgbClr val="00B050"/>
+          </a:solidFill>
+          <a:ln>
+            <a:solidFill>
+              <a:srgbClr val="92D050"/>
+            </a:solidFill>
+          </a:ln>
+        </p:spPr>
+        <p:style>
+          <a:lnRef idx="2">
+            <a:schemeClr val="accent1">
+              <a:shade val="50000"/>
+            </a:schemeClr>
+          </a:lnRef>
+          <a:fillRef idx="1">
+            <a:schemeClr val="accent1"/>
+          </a:fillRef>
+          <a:effectRef idx="0">
+            <a:schemeClr val="accent1"/>
+          </a:effectRef>
+          <a:fontRef idx="minor">
+            <a:schemeClr val="lt1"/>
+          </a:fontRef>
+        </p:style>
+        <p:txBody>
+          <a:bodyPr rtlCol="0" anchor="ctr"/>
+          <a:lstStyle/>
+          <a:p>
+            <a:pPr algn="ctr"/>
+            <a:endParaRPr lang="en-US"/>
+          </a:p>
+        </p:txBody>
+      </p:sp>
+      <p:sp>
+        <p:nvSpPr>
+          <p:cNvPr id="25" name="Arrow: Right 24">
+            <a:extLst>
+              <a:ext uri="{FF2B5EF4-FFF2-40B4-BE49-F238E27FC236}">
+                <a16:creationId xmlns:a16="http://schemas.microsoft.com/office/drawing/2014/main" id="{E96E7059-8F09-60B4-F19D-D44A8FB09792}"/>
+              </a:ext>
+            </a:extLst>
+          </p:cNvPr>
+          <p:cNvSpPr/>
+          <p:nvPr/>
+        </p:nvSpPr>
+        <p:spPr>
+          <a:xfrm>
+            <a:off x="7083859" y="3429000"/>
+            <a:ext cx="709683" cy="409433"/>
+          </a:xfrm>
+          <a:prstGeom prst="rightArrow">
+            <a:avLst/>
+          </a:prstGeom>
+        </p:spPr>
+        <p:style>
+          <a:lnRef idx="2">
+            <a:schemeClr val="accent1">
+              <a:shade val="50000"/>
+            </a:schemeClr>
+          </a:lnRef>
+          <a:fillRef idx="1">
+            <a:schemeClr val="accent1"/>
+          </a:fillRef>
+          <a:effectRef idx="0">
+            <a:schemeClr val="accent1"/>
+          </a:effectRef>
+          <a:fontRef idx="minor">
+            <a:schemeClr val="lt1"/>
+          </a:fontRef>
+        </p:style>
+        <p:txBody>
+          <a:bodyPr rtlCol="0" anchor="ctr"/>
+          <a:lstStyle/>
+          <a:p>
+            <a:pPr algn="ctr"/>
+            <a:endParaRPr lang="en-US"/>
+          </a:p>
+        </p:txBody>
+      </p:sp>
+      <p:sp>
+        <p:nvSpPr>
+          <p:cNvPr id="26" name="Rectangle 25">
+            <a:extLst>
+              <a:ext uri="{FF2B5EF4-FFF2-40B4-BE49-F238E27FC236}">
+                <a16:creationId xmlns:a16="http://schemas.microsoft.com/office/drawing/2014/main" id="{A0E6A103-02E3-82DE-E141-D7C5F3257AAB}"/>
+              </a:ext>
+            </a:extLst>
+          </p:cNvPr>
+          <p:cNvSpPr/>
+          <p:nvPr/>
+        </p:nvSpPr>
+        <p:spPr>
+          <a:xfrm>
+            <a:off x="5459104" y="1465878"/>
+            <a:ext cx="1235788" cy="4214717"/>
+          </a:xfrm>
+          <a:prstGeom prst="rect">
+            <a:avLst/>
+          </a:prstGeom>
+        </p:spPr>
+        <p:style>
+          <a:lnRef idx="2">
+            <a:schemeClr val="accent1">
+              <a:shade val="50000"/>
+            </a:schemeClr>
+          </a:lnRef>
+          <a:fillRef idx="1">
+            <a:schemeClr val="accent1"/>
+          </a:fillRef>
+          <a:effectRef idx="0">
+            <a:schemeClr val="accent1"/>
+          </a:effectRef>
+          <a:fontRef idx="minor">
+            <a:schemeClr val="lt1"/>
+          </a:fontRef>
+        </p:style>
+        <p:txBody>
+          <a:bodyPr rtlCol="0" anchor="ctr"/>
+          <a:lstStyle/>
+          <a:p>
+            <a:pPr algn="ctr"/>
+            <a:r>
+              <a:rPr lang="en-US"/>
+              <a:t>Stream Processing</a:t>
+            </a:r>
+          </a:p>
+        </p:txBody>
+      </p:sp>
+      <p:cxnSp>
+        <p:nvCxnSpPr>
+          <p:cNvPr id="29" name="Straight Arrow Connector 28">
+            <a:extLst>
+              <a:ext uri="{FF2B5EF4-FFF2-40B4-BE49-F238E27FC236}">
+                <a16:creationId xmlns:a16="http://schemas.microsoft.com/office/drawing/2014/main" id="{C0DE5969-1D11-B637-C1A0-E1EE415A994C}"/>
+              </a:ext>
+            </a:extLst>
+          </p:cNvPr>
+          <p:cNvCxnSpPr>
+            <a:cxnSpLocks/>
+          </p:cNvCxnSpPr>
+          <p:nvPr/>
+        </p:nvCxnSpPr>
+        <p:spPr>
+          <a:xfrm>
+            <a:off x="5523249" y="891312"/>
+            <a:ext cx="0" cy="419738"/>
+          </a:xfrm>
+          <a:prstGeom prst="straightConnector1">
+            <a:avLst/>
+          </a:prstGeom>
+          <a:ln w="73025">
+            <a:tailEnd type="triangle"/>
+          </a:ln>
+        </p:spPr>
+        <p:style>
+          <a:lnRef idx="1">
+            <a:schemeClr val="accent1"/>
+          </a:lnRef>
+          <a:fillRef idx="0">
+            <a:schemeClr val="accent1"/>
+          </a:fillRef>
+          <a:effectRef idx="0">
+            <a:schemeClr val="accent1"/>
+          </a:effectRef>
+          <a:fontRef idx="minor">
+            <a:schemeClr val="tx1"/>
+          </a:fontRef>
+        </p:style>
+      </p:cxnSp>
+      <p:sp>
+        <p:nvSpPr>
+          <p:cNvPr id="31" name="TextBox 30">
+            <a:extLst>
+              <a:ext uri="{FF2B5EF4-FFF2-40B4-BE49-F238E27FC236}">
+                <a16:creationId xmlns:a16="http://schemas.microsoft.com/office/drawing/2014/main" id="{809DEF1B-D248-70DA-CD7E-EBB7F721BE90}"/>
+              </a:ext>
+            </a:extLst>
+          </p:cNvPr>
+          <p:cNvSpPr txBox="1"/>
+          <p:nvPr/>
+        </p:nvSpPr>
+        <p:spPr>
+          <a:xfrm>
+            <a:off x="3807291" y="136431"/>
+            <a:ext cx="2976079" cy="369332"/>
+          </a:xfrm>
+          <a:prstGeom prst="rect">
+            <a:avLst/>
+          </a:prstGeom>
+          <a:noFill/>
+        </p:spPr>
+        <p:txBody>
+          <a:bodyPr wrap="square">
+            <a:spAutoFit/>
+          </a:bodyPr>
+          <a:lstStyle/>
+          <a:p>
+            <a:r>
+              <a:rPr lang="en-US"/>
+              <a:t>Codec = 0: H.264/AVC</a:t>
+            </a:r>
+          </a:p>
+        </p:txBody>
+      </p:sp>
+      <p:sp>
+        <p:nvSpPr>
+          <p:cNvPr id="45" name="Rectangle 44">
+            <a:extLst>
+              <a:ext uri="{FF2B5EF4-FFF2-40B4-BE49-F238E27FC236}">
+                <a16:creationId xmlns:a16="http://schemas.microsoft.com/office/drawing/2014/main" id="{455256A5-3FF1-9708-3E63-A6E3A3B8DB57}"/>
+              </a:ext>
+            </a:extLst>
+          </p:cNvPr>
+          <p:cNvSpPr/>
+          <p:nvPr/>
+        </p:nvSpPr>
+        <p:spPr>
+          <a:xfrm>
+            <a:off x="7920801" y="3442237"/>
+            <a:ext cx="409433" cy="409433"/>
+          </a:xfrm>
+          <a:prstGeom prst="rect">
+            <a:avLst/>
+          </a:prstGeom>
+        </p:spPr>
+        <p:style>
+          <a:lnRef idx="2">
+            <a:schemeClr val="accent1">
+              <a:shade val="50000"/>
+            </a:schemeClr>
+          </a:lnRef>
+          <a:fillRef idx="1">
+            <a:schemeClr val="accent1"/>
+          </a:fillRef>
+          <a:effectRef idx="0">
+            <a:schemeClr val="accent1"/>
+          </a:effectRef>
+          <a:fontRef idx="minor">
+            <a:schemeClr val="lt1"/>
+          </a:fontRef>
+        </p:style>
+        <p:txBody>
+          <a:bodyPr rtlCol="0" anchor="ctr"/>
+          <a:lstStyle/>
+          <a:p>
+            <a:pPr algn="ctr"/>
+            <a:r>
+              <a:rPr lang="en-US"/>
+              <a:t>P</a:t>
+            </a:r>
+          </a:p>
+        </p:txBody>
+      </p:sp>
+      <p:sp>
+        <p:nvSpPr>
+          <p:cNvPr id="49" name="Rectangle 48">
+            <a:extLst>
+              <a:ext uri="{FF2B5EF4-FFF2-40B4-BE49-F238E27FC236}">
+                <a16:creationId xmlns:a16="http://schemas.microsoft.com/office/drawing/2014/main" id="{C1652E94-85D2-B8CC-43FE-3696BA31818E}"/>
+              </a:ext>
+            </a:extLst>
+          </p:cNvPr>
+          <p:cNvSpPr/>
+          <p:nvPr/>
+        </p:nvSpPr>
+        <p:spPr>
+          <a:xfrm>
+            <a:off x="10369205" y="3442234"/>
+            <a:ext cx="409433" cy="409433"/>
+          </a:xfrm>
+          <a:prstGeom prst="rect">
+            <a:avLst/>
+          </a:prstGeom>
+        </p:spPr>
+        <p:style>
+          <a:lnRef idx="2">
+            <a:schemeClr val="accent1">
+              <a:shade val="50000"/>
+            </a:schemeClr>
+          </a:lnRef>
+          <a:fillRef idx="1">
+            <a:schemeClr val="accent1"/>
+          </a:fillRef>
+          <a:effectRef idx="0">
+            <a:schemeClr val="accent1"/>
+          </a:effectRef>
+          <a:fontRef idx="minor">
+            <a:schemeClr val="lt1"/>
+          </a:fontRef>
+        </p:style>
+        <p:txBody>
+          <a:bodyPr rtlCol="0" anchor="ctr"/>
+          <a:lstStyle/>
+          <a:p>
+            <a:pPr algn="ctr"/>
+            <a:r>
+              <a:rPr lang="en-US" sz="1100"/>
+              <a:t>PPS</a:t>
+            </a:r>
+          </a:p>
+        </p:txBody>
+      </p:sp>
+      <p:sp>
+        <p:nvSpPr>
+          <p:cNvPr id="50" name="Rectangle 49">
+            <a:extLst>
+              <a:ext uri="{FF2B5EF4-FFF2-40B4-BE49-F238E27FC236}">
+                <a16:creationId xmlns:a16="http://schemas.microsoft.com/office/drawing/2014/main" id="{F52808AB-647F-5946-4DD8-320420B0F1BC}"/>
+              </a:ext>
+            </a:extLst>
+          </p:cNvPr>
+          <p:cNvSpPr/>
+          <p:nvPr/>
+        </p:nvSpPr>
+        <p:spPr>
+          <a:xfrm>
+            <a:off x="10981305" y="3442233"/>
+            <a:ext cx="409433" cy="409433"/>
+          </a:xfrm>
+          <a:prstGeom prst="rect">
+            <a:avLst/>
+          </a:prstGeom>
+        </p:spPr>
+        <p:style>
+          <a:lnRef idx="2">
+            <a:schemeClr val="accent1">
+              <a:shade val="50000"/>
+            </a:schemeClr>
+          </a:lnRef>
+          <a:fillRef idx="1">
+            <a:schemeClr val="accent1"/>
+          </a:fillRef>
+          <a:effectRef idx="0">
+            <a:schemeClr val="accent1"/>
+          </a:effectRef>
+          <a:fontRef idx="minor">
+            <a:schemeClr val="lt1"/>
+          </a:fontRef>
+        </p:style>
+        <p:txBody>
+          <a:bodyPr rtlCol="0" anchor="ctr"/>
+          <a:lstStyle/>
+          <a:p>
+            <a:pPr algn="ctr"/>
+            <a:r>
+              <a:rPr lang="en-US" sz="1100"/>
+              <a:t>SPS</a:t>
+            </a:r>
+          </a:p>
+        </p:txBody>
+      </p:sp>
+      <p:sp>
+        <p:nvSpPr>
+          <p:cNvPr id="4" name="TextBox 3">
+            <a:extLst>
+              <a:ext uri="{FF2B5EF4-FFF2-40B4-BE49-F238E27FC236}">
+                <a16:creationId xmlns:a16="http://schemas.microsoft.com/office/drawing/2014/main" id="{C3A93650-AB39-6386-0679-D0FABE4132CB}"/>
+              </a:ext>
+            </a:extLst>
+          </p:cNvPr>
+          <p:cNvSpPr txBox="1"/>
+          <p:nvPr/>
+        </p:nvSpPr>
+        <p:spPr>
+          <a:xfrm>
+            <a:off x="4041585" y="1964434"/>
+            <a:ext cx="204717" cy="369332"/>
+          </a:xfrm>
+          <a:prstGeom prst="rect">
+            <a:avLst/>
+          </a:prstGeom>
+          <a:noFill/>
+        </p:spPr>
+        <p:txBody>
+          <a:bodyPr wrap="square" rtlCol="0">
+            <a:spAutoFit/>
+          </a:bodyPr>
+          <a:lstStyle/>
+          <a:p>
+            <a:r>
+              <a:rPr lang="en-US"/>
+              <a:t>0</a:t>
+            </a:r>
+          </a:p>
+        </p:txBody>
+      </p:sp>
+      <p:sp>
+        <p:nvSpPr>
+          <p:cNvPr id="6" name="TextBox 5">
+            <a:extLst>
+              <a:ext uri="{FF2B5EF4-FFF2-40B4-BE49-F238E27FC236}">
+                <a16:creationId xmlns:a16="http://schemas.microsoft.com/office/drawing/2014/main" id="{E68D8C95-B35E-B818-89A4-BE5BD078D35C}"/>
+              </a:ext>
+            </a:extLst>
+          </p:cNvPr>
+          <p:cNvSpPr txBox="1"/>
+          <p:nvPr/>
+        </p:nvSpPr>
+        <p:spPr>
+          <a:xfrm>
+            <a:off x="3424114" y="1964434"/>
+            <a:ext cx="204717" cy="369332"/>
+          </a:xfrm>
+          <a:prstGeom prst="rect">
+            <a:avLst/>
+          </a:prstGeom>
+          <a:noFill/>
+        </p:spPr>
+        <p:txBody>
+          <a:bodyPr wrap="square" rtlCol="0">
+            <a:spAutoFit/>
+          </a:bodyPr>
+          <a:lstStyle/>
+          <a:p>
+            <a:r>
+              <a:rPr lang="en-US"/>
+              <a:t>1</a:t>
+            </a:r>
+          </a:p>
+        </p:txBody>
+      </p:sp>
+      <p:sp>
+        <p:nvSpPr>
+          <p:cNvPr id="8" name="TextBox 7">
+            <a:extLst>
+              <a:ext uri="{FF2B5EF4-FFF2-40B4-BE49-F238E27FC236}">
+                <a16:creationId xmlns:a16="http://schemas.microsoft.com/office/drawing/2014/main" id="{626E013C-05B8-5A9B-C0A8-2BD56FCEBDA9}"/>
+              </a:ext>
+            </a:extLst>
+          </p:cNvPr>
+          <p:cNvSpPr txBox="1"/>
+          <p:nvPr/>
+        </p:nvSpPr>
+        <p:spPr>
+          <a:xfrm>
+            <a:off x="2806645" y="1964434"/>
+            <a:ext cx="204717" cy="369332"/>
+          </a:xfrm>
+          <a:prstGeom prst="rect">
+            <a:avLst/>
+          </a:prstGeom>
+          <a:noFill/>
+        </p:spPr>
+        <p:txBody>
+          <a:bodyPr wrap="square" rtlCol="0">
+            <a:spAutoFit/>
+          </a:bodyPr>
+          <a:lstStyle/>
+          <a:p>
+            <a:r>
+              <a:rPr lang="en-US"/>
+              <a:t>2</a:t>
+            </a:r>
+          </a:p>
+        </p:txBody>
+      </p:sp>
+      <p:sp>
+        <p:nvSpPr>
+          <p:cNvPr id="10" name="TextBox 9">
+            <a:extLst>
+              <a:ext uri="{FF2B5EF4-FFF2-40B4-BE49-F238E27FC236}">
+                <a16:creationId xmlns:a16="http://schemas.microsoft.com/office/drawing/2014/main" id="{C77BF73C-3D93-0E2A-CAE0-D9884505B2D9}"/>
+              </a:ext>
+            </a:extLst>
+          </p:cNvPr>
+          <p:cNvSpPr txBox="1"/>
+          <p:nvPr/>
+        </p:nvSpPr>
+        <p:spPr>
+          <a:xfrm>
+            <a:off x="2189176" y="1964434"/>
+            <a:ext cx="204717" cy="369332"/>
+          </a:xfrm>
+          <a:prstGeom prst="rect">
+            <a:avLst/>
+          </a:prstGeom>
+          <a:noFill/>
+        </p:spPr>
+        <p:txBody>
+          <a:bodyPr wrap="square" rtlCol="0">
+            <a:spAutoFit/>
+          </a:bodyPr>
+          <a:lstStyle/>
+          <a:p>
+            <a:r>
+              <a:rPr lang="en-US"/>
+              <a:t>3</a:t>
+            </a:r>
+          </a:p>
+        </p:txBody>
+      </p:sp>
+      <p:sp>
+        <p:nvSpPr>
+          <p:cNvPr id="27" name="TextBox 26">
+            <a:extLst>
+              <a:ext uri="{FF2B5EF4-FFF2-40B4-BE49-F238E27FC236}">
+                <a16:creationId xmlns:a16="http://schemas.microsoft.com/office/drawing/2014/main" id="{96AF1D16-4F63-9DDD-5D1E-B69C7CE9911E}"/>
+              </a:ext>
+            </a:extLst>
+          </p:cNvPr>
+          <p:cNvSpPr txBox="1"/>
+          <p:nvPr/>
+        </p:nvSpPr>
+        <p:spPr>
+          <a:xfrm>
+            <a:off x="1571707" y="1964434"/>
+            <a:ext cx="204717" cy="369332"/>
+          </a:xfrm>
+          <a:prstGeom prst="rect">
+            <a:avLst/>
+          </a:prstGeom>
+          <a:noFill/>
+        </p:spPr>
+        <p:txBody>
+          <a:bodyPr wrap="square" rtlCol="0">
+            <a:spAutoFit/>
+          </a:bodyPr>
+          <a:lstStyle/>
+          <a:p>
+            <a:r>
+              <a:rPr lang="en-US"/>
+              <a:t>4</a:t>
+            </a:r>
+          </a:p>
+        </p:txBody>
+      </p:sp>
+      <p:sp>
+        <p:nvSpPr>
+          <p:cNvPr id="28" name="TextBox 27">
+            <a:extLst>
+              <a:ext uri="{FF2B5EF4-FFF2-40B4-BE49-F238E27FC236}">
+                <a16:creationId xmlns:a16="http://schemas.microsoft.com/office/drawing/2014/main" id="{415B1191-F370-350D-46DB-65ECA041D7D0}"/>
+              </a:ext>
+            </a:extLst>
+          </p:cNvPr>
+          <p:cNvSpPr txBox="1"/>
+          <p:nvPr/>
+        </p:nvSpPr>
+        <p:spPr>
+          <a:xfrm>
+            <a:off x="954238" y="1964434"/>
+            <a:ext cx="204717" cy="369332"/>
+          </a:xfrm>
+          <a:prstGeom prst="rect">
+            <a:avLst/>
+          </a:prstGeom>
+          <a:noFill/>
+        </p:spPr>
+        <p:txBody>
+          <a:bodyPr wrap="square" rtlCol="0">
+            <a:spAutoFit/>
+          </a:bodyPr>
+          <a:lstStyle/>
+          <a:p>
+            <a:r>
+              <a:rPr lang="en-US"/>
+              <a:t>5</a:t>
+            </a:r>
+          </a:p>
+        </p:txBody>
+      </p:sp>
+      <p:sp>
+        <p:nvSpPr>
+          <p:cNvPr id="34" name="TextBox 33">
+            <a:extLst>
+              <a:ext uri="{FF2B5EF4-FFF2-40B4-BE49-F238E27FC236}">
+                <a16:creationId xmlns:a16="http://schemas.microsoft.com/office/drawing/2014/main" id="{F17863DA-27D5-B588-68A3-44DF69696590}"/>
+              </a:ext>
+            </a:extLst>
+          </p:cNvPr>
+          <p:cNvSpPr txBox="1"/>
+          <p:nvPr/>
+        </p:nvSpPr>
+        <p:spPr>
+          <a:xfrm>
+            <a:off x="2811371" y="3944055"/>
+            <a:ext cx="204717" cy="369332"/>
+          </a:xfrm>
+          <a:prstGeom prst="rect">
+            <a:avLst/>
+          </a:prstGeom>
+          <a:noFill/>
+        </p:spPr>
+        <p:txBody>
+          <a:bodyPr wrap="square" rtlCol="0">
+            <a:spAutoFit/>
+          </a:bodyPr>
+          <a:lstStyle/>
+          <a:p>
+            <a:r>
+              <a:rPr lang="en-US"/>
+              <a:t>0</a:t>
+            </a:r>
+          </a:p>
+        </p:txBody>
+      </p:sp>
+      <p:sp>
+        <p:nvSpPr>
+          <p:cNvPr id="37" name="TextBox 36">
+            <a:extLst>
+              <a:ext uri="{FF2B5EF4-FFF2-40B4-BE49-F238E27FC236}">
+                <a16:creationId xmlns:a16="http://schemas.microsoft.com/office/drawing/2014/main" id="{FCAA8352-6B02-6025-FC55-D69FAF5161DE}"/>
+              </a:ext>
+            </a:extLst>
+          </p:cNvPr>
+          <p:cNvSpPr txBox="1"/>
+          <p:nvPr/>
+        </p:nvSpPr>
+        <p:spPr>
+          <a:xfrm>
+            <a:off x="2193902" y="3944055"/>
+            <a:ext cx="204717" cy="369332"/>
+          </a:xfrm>
+          <a:prstGeom prst="rect">
+            <a:avLst/>
+          </a:prstGeom>
+          <a:noFill/>
+        </p:spPr>
+        <p:txBody>
+          <a:bodyPr wrap="square" rtlCol="0">
+            <a:spAutoFit/>
+          </a:bodyPr>
+          <a:lstStyle/>
+          <a:p>
+            <a:r>
+              <a:rPr lang="en-US"/>
+              <a:t>1</a:t>
+            </a:r>
+          </a:p>
+        </p:txBody>
+      </p:sp>
+      <p:sp>
+        <p:nvSpPr>
+          <p:cNvPr id="39" name="TextBox 38">
+            <a:extLst>
+              <a:ext uri="{FF2B5EF4-FFF2-40B4-BE49-F238E27FC236}">
+                <a16:creationId xmlns:a16="http://schemas.microsoft.com/office/drawing/2014/main" id="{68B22C32-C74F-D798-A216-D6360FC8829D}"/>
+              </a:ext>
+            </a:extLst>
+          </p:cNvPr>
+          <p:cNvSpPr txBox="1"/>
+          <p:nvPr/>
+        </p:nvSpPr>
+        <p:spPr>
+          <a:xfrm>
+            <a:off x="1576433" y="3944055"/>
+            <a:ext cx="204717" cy="369332"/>
+          </a:xfrm>
+          <a:prstGeom prst="rect">
+            <a:avLst/>
+          </a:prstGeom>
+          <a:noFill/>
+        </p:spPr>
+        <p:txBody>
+          <a:bodyPr wrap="square" rtlCol="0">
+            <a:spAutoFit/>
+          </a:bodyPr>
+          <a:lstStyle/>
+          <a:p>
+            <a:r>
+              <a:rPr lang="en-US"/>
+              <a:t>2</a:t>
+            </a:r>
+          </a:p>
+        </p:txBody>
+      </p:sp>
+      <p:sp>
+        <p:nvSpPr>
+          <p:cNvPr id="40" name="TextBox 39">
+            <a:extLst>
+              <a:ext uri="{FF2B5EF4-FFF2-40B4-BE49-F238E27FC236}">
+                <a16:creationId xmlns:a16="http://schemas.microsoft.com/office/drawing/2014/main" id="{19ABDAB6-4A3F-FDD3-4584-01769F8FA916}"/>
+              </a:ext>
+            </a:extLst>
+          </p:cNvPr>
+          <p:cNvSpPr txBox="1"/>
+          <p:nvPr/>
+        </p:nvSpPr>
+        <p:spPr>
+          <a:xfrm>
+            <a:off x="958964" y="3944055"/>
+            <a:ext cx="204717" cy="369332"/>
+          </a:xfrm>
+          <a:prstGeom prst="rect">
+            <a:avLst/>
+          </a:prstGeom>
+          <a:noFill/>
+        </p:spPr>
+        <p:txBody>
+          <a:bodyPr wrap="square" rtlCol="0">
+            <a:spAutoFit/>
+          </a:bodyPr>
+          <a:lstStyle/>
+          <a:p>
+            <a:r>
+              <a:rPr lang="en-US"/>
+              <a:t>3</a:t>
+            </a:r>
+          </a:p>
+        </p:txBody>
+      </p:sp>
+      <p:sp>
+        <p:nvSpPr>
+          <p:cNvPr id="47" name="TextBox 46">
+            <a:extLst>
+              <a:ext uri="{FF2B5EF4-FFF2-40B4-BE49-F238E27FC236}">
+                <a16:creationId xmlns:a16="http://schemas.microsoft.com/office/drawing/2014/main" id="{8BB265E1-AE18-F7E2-F936-60BC78B5DC0C}"/>
+              </a:ext>
+            </a:extLst>
+          </p:cNvPr>
+          <p:cNvSpPr txBox="1"/>
+          <p:nvPr/>
+        </p:nvSpPr>
+        <p:spPr>
+          <a:xfrm>
+            <a:off x="3807291" y="521980"/>
+            <a:ext cx="2976079" cy="369332"/>
+          </a:xfrm>
+          <a:prstGeom prst="rect">
+            <a:avLst/>
+          </a:prstGeom>
+          <a:noFill/>
+        </p:spPr>
+        <p:txBody>
+          <a:bodyPr wrap="square">
+            <a:spAutoFit/>
+          </a:bodyPr>
+          <a:lstStyle/>
+          <a:p>
+            <a:r>
+              <a:rPr lang="en-US"/>
+              <a:t>File = 0 2 4 6 … </a:t>
+            </a:r>
+          </a:p>
+        </p:txBody>
+      </p:sp>
+      <p:sp>
+        <p:nvSpPr>
+          <p:cNvPr id="59" name="Oval 58">
+            <a:extLst>
+              <a:ext uri="{FF2B5EF4-FFF2-40B4-BE49-F238E27FC236}">
+                <a16:creationId xmlns:a16="http://schemas.microsoft.com/office/drawing/2014/main" id="{0ED2C837-24C9-81CC-D800-6CE8D675E53D}"/>
+              </a:ext>
+            </a:extLst>
+          </p:cNvPr>
+          <p:cNvSpPr/>
+          <p:nvPr/>
+        </p:nvSpPr>
+        <p:spPr>
+          <a:xfrm>
+            <a:off x="4416126" y="624285"/>
+            <a:ext cx="169522" cy="164722"/>
+          </a:xfrm>
+          <a:prstGeom prst="ellipse">
+            <a:avLst/>
+          </a:prstGeom>
+          <a:noFill/>
+        </p:spPr>
+        <p:style>
+          <a:lnRef idx="2">
+            <a:schemeClr val="accent1">
+              <a:shade val="50000"/>
+            </a:schemeClr>
+          </a:lnRef>
+          <a:fillRef idx="1">
+            <a:schemeClr val="accent1"/>
+          </a:fillRef>
+          <a:effectRef idx="0">
+            <a:schemeClr val="accent1"/>
+          </a:effectRef>
+          <a:fontRef idx="minor">
+            <a:schemeClr val="lt1"/>
+          </a:fontRef>
+        </p:style>
+        <p:txBody>
+          <a:bodyPr rtlCol="0" anchor="ctr"/>
+          <a:lstStyle/>
+          <a:p>
+            <a:pPr algn="ctr"/>
+            <a:endParaRPr lang="en-US"/>
+          </a:p>
+        </p:txBody>
+      </p:sp>
+      <p:sp>
+        <p:nvSpPr>
+          <p:cNvPr id="60" name="Oval 59">
+            <a:extLst>
+              <a:ext uri="{FF2B5EF4-FFF2-40B4-BE49-F238E27FC236}">
+                <a16:creationId xmlns:a16="http://schemas.microsoft.com/office/drawing/2014/main" id="{C089F7CC-F926-D4DF-813A-E37EC9819D0F}"/>
+              </a:ext>
+            </a:extLst>
+          </p:cNvPr>
+          <p:cNvSpPr/>
+          <p:nvPr/>
+        </p:nvSpPr>
+        <p:spPr>
+          <a:xfrm>
+            <a:off x="4584605" y="624285"/>
+            <a:ext cx="169522" cy="164722"/>
+          </a:xfrm>
+          <a:prstGeom prst="ellipse">
+            <a:avLst/>
+          </a:prstGeom>
+          <a:noFill/>
+        </p:spPr>
+        <p:style>
+          <a:lnRef idx="2">
+            <a:schemeClr val="accent1">
+              <a:shade val="50000"/>
+            </a:schemeClr>
+          </a:lnRef>
+          <a:fillRef idx="1">
+            <a:schemeClr val="accent1"/>
+          </a:fillRef>
+          <a:effectRef idx="0">
+            <a:schemeClr val="accent1"/>
+          </a:effectRef>
+          <a:fontRef idx="minor">
+            <a:schemeClr val="lt1"/>
+          </a:fontRef>
+        </p:style>
+        <p:txBody>
+          <a:bodyPr rtlCol="0" anchor="ctr"/>
+          <a:lstStyle/>
+          <a:p>
+            <a:pPr algn="ctr"/>
+            <a:endParaRPr lang="en-US"/>
+          </a:p>
+        </p:txBody>
+      </p:sp>
+      <p:sp>
+        <p:nvSpPr>
+          <p:cNvPr id="62" name="Freeform: Shape 61">
+            <a:extLst>
+              <a:ext uri="{FF2B5EF4-FFF2-40B4-BE49-F238E27FC236}">
+                <a16:creationId xmlns:a16="http://schemas.microsoft.com/office/drawing/2014/main" id="{2C50116A-3DF4-A75A-067B-E161A40653A1}"/>
+              </a:ext>
+            </a:extLst>
+          </p:cNvPr>
+          <p:cNvSpPr/>
+          <p:nvPr/>
+        </p:nvSpPr>
+        <p:spPr>
+          <a:xfrm>
+            <a:off x="2971800" y="795338"/>
+            <a:ext cx="1552432" cy="500062"/>
+          </a:xfrm>
+          <a:custGeom>
+            <a:avLst/>
+            <a:gdLst>
+              <a:gd name="connsiteX0" fmla="*/ 1693069 w 1727873"/>
+              <a:gd name="connsiteY0" fmla="*/ 0 h 500062"/>
+              <a:gd name="connsiteX1" fmla="*/ 1633538 w 1727873"/>
+              <a:gd name="connsiteY1" fmla="*/ 176212 h 500062"/>
+              <a:gd name="connsiteX2" fmla="*/ 888206 w 1727873"/>
+              <a:gd name="connsiteY2" fmla="*/ 273843 h 500062"/>
+              <a:gd name="connsiteX3" fmla="*/ 230981 w 1727873"/>
+              <a:gd name="connsiteY3" fmla="*/ 278606 h 500062"/>
+              <a:gd name="connsiteX4" fmla="*/ 0 w 1727873"/>
+              <a:gd name="connsiteY4" fmla="*/ 500062 h 500062"/>
+              <a:gd name="connsiteX0" fmla="*/ 1693069 w 1698986"/>
+              <a:gd name="connsiteY0" fmla="*/ 0 h 500062"/>
+              <a:gd name="connsiteX1" fmla="*/ 1450182 w 1698986"/>
+              <a:gd name="connsiteY1" fmla="*/ 216694 h 500062"/>
+              <a:gd name="connsiteX2" fmla="*/ 888206 w 1698986"/>
+              <a:gd name="connsiteY2" fmla="*/ 273843 h 500062"/>
+              <a:gd name="connsiteX3" fmla="*/ 230981 w 1698986"/>
+              <a:gd name="connsiteY3" fmla="*/ 278606 h 500062"/>
+              <a:gd name="connsiteX4" fmla="*/ 0 w 1698986"/>
+              <a:gd name="connsiteY4" fmla="*/ 500062 h 500062"/>
+              <a:gd name="connsiteX0" fmla="*/ 1693069 w 1693069"/>
+              <a:gd name="connsiteY0" fmla="*/ 0 h 500062"/>
+              <a:gd name="connsiteX1" fmla="*/ 1450182 w 1693069"/>
+              <a:gd name="connsiteY1" fmla="*/ 216694 h 500062"/>
+              <a:gd name="connsiteX2" fmla="*/ 888206 w 1693069"/>
+              <a:gd name="connsiteY2" fmla="*/ 273843 h 500062"/>
+              <a:gd name="connsiteX3" fmla="*/ 230981 w 1693069"/>
+              <a:gd name="connsiteY3" fmla="*/ 278606 h 500062"/>
+              <a:gd name="connsiteX4" fmla="*/ 0 w 1693069"/>
+              <a:gd name="connsiteY4" fmla="*/ 500062 h 500062"/>
+              <a:gd name="connsiteX0" fmla="*/ 1693069 w 1693069"/>
+              <a:gd name="connsiteY0" fmla="*/ 0 h 500062"/>
+              <a:gd name="connsiteX1" fmla="*/ 1450182 w 1693069"/>
+              <a:gd name="connsiteY1" fmla="*/ 216694 h 500062"/>
+              <a:gd name="connsiteX2" fmla="*/ 888206 w 1693069"/>
+              <a:gd name="connsiteY2" fmla="*/ 273843 h 500062"/>
+              <a:gd name="connsiteX3" fmla="*/ 230981 w 1693069"/>
+              <a:gd name="connsiteY3" fmla="*/ 278606 h 500062"/>
+              <a:gd name="connsiteX4" fmla="*/ 0 w 1693069"/>
+              <a:gd name="connsiteY4" fmla="*/ 500062 h 500062"/>
+            </a:gdLst>
+            <a:ahLst/>
+            <a:cxnLst>
+              <a:cxn ang="0">
+                <a:pos x="connsiteX0" y="connsiteY0"/>
+              </a:cxn>
+              <a:cxn ang="0">
+                <a:pos x="connsiteX1" y="connsiteY1"/>
+              </a:cxn>
+              <a:cxn ang="0">
+                <a:pos x="connsiteX2" y="connsiteY2"/>
+              </a:cxn>
+              <a:cxn ang="0">
+                <a:pos x="connsiteX3" y="connsiteY3"/>
+              </a:cxn>
+              <a:cxn ang="0">
+                <a:pos x="connsiteX4" y="connsiteY4"/>
+              </a:cxn>
+            </a:cxnLst>
+            <a:rect l="l" t="t" r="r" b="b"/>
+            <a:pathLst>
+              <a:path w="1693069" h="500062">
+                <a:moveTo>
+                  <a:pt x="1693069" y="0"/>
+                </a:moveTo>
+                <a:cubicBezTo>
+                  <a:pt x="1687513" y="110529"/>
+                  <a:pt x="1584326" y="171053"/>
+                  <a:pt x="1450182" y="216694"/>
+                </a:cubicBezTo>
+                <a:cubicBezTo>
+                  <a:pt x="1316038" y="262335"/>
+                  <a:pt x="1091406" y="263524"/>
+                  <a:pt x="888206" y="273843"/>
+                </a:cubicBezTo>
+                <a:cubicBezTo>
+                  <a:pt x="685006" y="284162"/>
+                  <a:pt x="379015" y="240903"/>
+                  <a:pt x="230981" y="278606"/>
+                </a:cubicBezTo>
+                <a:cubicBezTo>
+                  <a:pt x="82947" y="316309"/>
+                  <a:pt x="42862" y="425846"/>
+                  <a:pt x="0" y="500062"/>
+                </a:cubicBezTo>
+              </a:path>
+            </a:pathLst>
+          </a:custGeom>
+          <a:noFill/>
+          <a:ln>
+            <a:solidFill>
+              <a:srgbClr val="2F528F"/>
+            </a:solidFill>
+            <a:tailEnd type="stealth"/>
+          </a:ln>
+        </p:spPr>
+        <p:style>
+          <a:lnRef idx="2">
+            <a:schemeClr val="accent1">
+              <a:shade val="15000"/>
+            </a:schemeClr>
+          </a:lnRef>
+          <a:fillRef idx="1">
+            <a:schemeClr val="accent1"/>
+          </a:fillRef>
+          <a:effectRef idx="0">
+            <a:schemeClr val="accent1"/>
+          </a:effectRef>
+          <a:fontRef idx="minor">
+            <a:schemeClr val="lt1"/>
+          </a:fontRef>
+        </p:style>
+        <p:txBody>
+          <a:bodyPr rtlCol="0" anchor="ctr"/>
+          <a:lstStyle/>
+          <a:p>
+            <a:pPr algn="ctr"/>
+            <a:endParaRPr lang="en-US"/>
+          </a:p>
+        </p:txBody>
+      </p:sp>
+      <p:cxnSp>
+        <p:nvCxnSpPr>
+          <p:cNvPr id="64" name="Straight Arrow Connector 63">
+            <a:extLst>
+              <a:ext uri="{FF2B5EF4-FFF2-40B4-BE49-F238E27FC236}">
+                <a16:creationId xmlns:a16="http://schemas.microsoft.com/office/drawing/2014/main" id="{054E350D-1128-D732-EDA2-DAF4B00A7162}"/>
+              </a:ext>
+            </a:extLst>
+          </p:cNvPr>
+          <p:cNvCxnSpPr>
+            <a:cxnSpLocks/>
+          </p:cNvCxnSpPr>
+          <p:nvPr/>
+        </p:nvCxnSpPr>
+        <p:spPr>
+          <a:xfrm>
+            <a:off x="2931537" y="2414588"/>
+            <a:ext cx="0" cy="1529467"/>
+          </a:xfrm>
+          <a:prstGeom prst="straightConnector1">
+            <a:avLst/>
+          </a:prstGeom>
+          <a:ln w="12700">
+            <a:solidFill>
+              <a:srgbClr val="2F528F"/>
+            </a:solidFill>
+            <a:headEnd type="stealth"/>
+            <a:tailEnd type="none"/>
+          </a:ln>
+        </p:spPr>
+        <p:style>
+          <a:lnRef idx="1">
+            <a:schemeClr val="accent1"/>
+          </a:lnRef>
+          <a:fillRef idx="0">
+            <a:schemeClr val="accent1"/>
+          </a:fillRef>
+          <a:effectRef idx="0">
+            <a:schemeClr val="accent1"/>
+          </a:effectRef>
+          <a:fontRef idx="minor">
+            <a:schemeClr val="tx1"/>
+          </a:fontRef>
+        </p:style>
+      </p:cxnSp>
+      <p:sp>
+        <p:nvSpPr>
+          <p:cNvPr id="67" name="Freeform: Shape 66">
+            <a:extLst>
+              <a:ext uri="{FF2B5EF4-FFF2-40B4-BE49-F238E27FC236}">
+                <a16:creationId xmlns:a16="http://schemas.microsoft.com/office/drawing/2014/main" id="{C1AF1985-684A-D61B-4CED-2FD2A5FB05BA}"/>
+              </a:ext>
+            </a:extLst>
+          </p:cNvPr>
+          <p:cNvSpPr/>
+          <p:nvPr/>
+        </p:nvSpPr>
+        <p:spPr>
+          <a:xfrm>
+            <a:off x="1733550" y="781050"/>
+            <a:ext cx="2946400" cy="495300"/>
+          </a:xfrm>
+          <a:custGeom>
+            <a:avLst/>
+            <a:gdLst>
+              <a:gd name="connsiteX0" fmla="*/ 3144312 w 3425385"/>
+              <a:gd name="connsiteY0" fmla="*/ 0 h 495300"/>
+              <a:gd name="connsiteX1" fmla="*/ 3144312 w 3425385"/>
+              <a:gd name="connsiteY1" fmla="*/ 355600 h 495300"/>
+              <a:gd name="connsiteX2" fmla="*/ 223312 w 3425385"/>
+              <a:gd name="connsiteY2" fmla="*/ 330200 h 495300"/>
+              <a:gd name="connsiteX3" fmla="*/ 197912 w 3425385"/>
+              <a:gd name="connsiteY3" fmla="*/ 495300 h 495300"/>
+              <a:gd name="connsiteX0" fmla="*/ 2946400 w 3184635"/>
+              <a:gd name="connsiteY0" fmla="*/ 0 h 495300"/>
+              <a:gd name="connsiteX1" fmla="*/ 2946400 w 3184635"/>
+              <a:gd name="connsiteY1" fmla="*/ 355600 h 495300"/>
+              <a:gd name="connsiteX2" fmla="*/ 641350 w 3184635"/>
+              <a:gd name="connsiteY2" fmla="*/ 323850 h 495300"/>
+              <a:gd name="connsiteX3" fmla="*/ 0 w 3184635"/>
+              <a:gd name="connsiteY3" fmla="*/ 495300 h 495300"/>
+              <a:gd name="connsiteX0" fmla="*/ 2946400 w 3184635"/>
+              <a:gd name="connsiteY0" fmla="*/ 0 h 495300"/>
+              <a:gd name="connsiteX1" fmla="*/ 2946400 w 3184635"/>
+              <a:gd name="connsiteY1" fmla="*/ 355600 h 495300"/>
+              <a:gd name="connsiteX2" fmla="*/ 641350 w 3184635"/>
+              <a:gd name="connsiteY2" fmla="*/ 323850 h 495300"/>
+              <a:gd name="connsiteX3" fmla="*/ 0 w 3184635"/>
+              <a:gd name="connsiteY3" fmla="*/ 495300 h 495300"/>
+              <a:gd name="connsiteX0" fmla="*/ 2946400 w 3114816"/>
+              <a:gd name="connsiteY0" fmla="*/ 0 h 495300"/>
+              <a:gd name="connsiteX1" fmla="*/ 2946400 w 3114816"/>
+              <a:gd name="connsiteY1" fmla="*/ 355600 h 495300"/>
+              <a:gd name="connsiteX2" fmla="*/ 641350 w 3114816"/>
+              <a:gd name="connsiteY2" fmla="*/ 323850 h 495300"/>
+              <a:gd name="connsiteX3" fmla="*/ 0 w 3114816"/>
+              <a:gd name="connsiteY3" fmla="*/ 495300 h 495300"/>
+              <a:gd name="connsiteX0" fmla="*/ 2946400 w 2946400"/>
+              <a:gd name="connsiteY0" fmla="*/ 0 h 495300"/>
+              <a:gd name="connsiteX1" fmla="*/ 2330450 w 2946400"/>
+              <a:gd name="connsiteY1" fmla="*/ 361950 h 495300"/>
+              <a:gd name="connsiteX2" fmla="*/ 641350 w 2946400"/>
+              <a:gd name="connsiteY2" fmla="*/ 323850 h 495300"/>
+              <a:gd name="connsiteX3" fmla="*/ 0 w 2946400"/>
+              <a:gd name="connsiteY3" fmla="*/ 495300 h 495300"/>
+            </a:gdLst>
+            <a:ahLst/>
+            <a:cxnLst>
+              <a:cxn ang="0">
+                <a:pos x="connsiteX0" y="connsiteY0"/>
+              </a:cxn>
+              <a:cxn ang="0">
+                <a:pos x="connsiteX1" y="connsiteY1"/>
+              </a:cxn>
+              <a:cxn ang="0">
+                <a:pos x="connsiteX2" y="connsiteY2"/>
+              </a:cxn>
+              <a:cxn ang="0">
+                <a:pos x="connsiteX3" y="connsiteY3"/>
+              </a:cxn>
+            </a:cxnLst>
+            <a:rect l="l" t="t" r="r" b="b"/>
+            <a:pathLst>
+              <a:path w="2946400" h="495300">
+                <a:moveTo>
+                  <a:pt x="2946400" y="0"/>
+                </a:moveTo>
+                <a:cubicBezTo>
+                  <a:pt x="2935816" y="270933"/>
+                  <a:pt x="2714625" y="307975"/>
+                  <a:pt x="2330450" y="361950"/>
+                </a:cubicBezTo>
+                <a:cubicBezTo>
+                  <a:pt x="1946275" y="415925"/>
+                  <a:pt x="1132417" y="300567"/>
+                  <a:pt x="641350" y="323850"/>
+                </a:cubicBezTo>
+                <a:cubicBezTo>
+                  <a:pt x="150283" y="347133"/>
+                  <a:pt x="7408" y="359833"/>
+                  <a:pt x="0" y="495300"/>
+                </a:cubicBezTo>
+              </a:path>
+            </a:pathLst>
+          </a:custGeom>
+          <a:noFill/>
+          <a:ln>
+            <a:solidFill>
+              <a:srgbClr val="2F528F"/>
+            </a:solidFill>
+            <a:tailEnd type="stealth"/>
+          </a:ln>
+        </p:spPr>
+        <p:style>
+          <a:lnRef idx="2">
+            <a:schemeClr val="accent1">
+              <a:shade val="15000"/>
+            </a:schemeClr>
+          </a:lnRef>
+          <a:fillRef idx="1">
+            <a:schemeClr val="accent1"/>
+          </a:fillRef>
+          <a:effectRef idx="0">
+            <a:schemeClr val="accent1"/>
+          </a:effectRef>
+          <a:fontRef idx="minor">
+            <a:schemeClr val="lt1"/>
+          </a:fontRef>
+        </p:style>
+        <p:txBody>
+          <a:bodyPr rtlCol="0" anchor="ctr"/>
+          <a:lstStyle/>
+          <a:p>
+            <a:pPr algn="ctr"/>
+            <a:endParaRPr lang="en-US"/>
+          </a:p>
+        </p:txBody>
+      </p:sp>
+      <p:cxnSp>
+        <p:nvCxnSpPr>
+          <p:cNvPr id="68" name="Straight Arrow Connector 67">
+            <a:extLst>
+              <a:ext uri="{FF2B5EF4-FFF2-40B4-BE49-F238E27FC236}">
+                <a16:creationId xmlns:a16="http://schemas.microsoft.com/office/drawing/2014/main" id="{365ABB91-A040-A873-E73A-E6792D55EF0A}"/>
+              </a:ext>
+            </a:extLst>
+          </p:cNvPr>
+          <p:cNvCxnSpPr>
+            <a:cxnSpLocks/>
+          </p:cNvCxnSpPr>
+          <p:nvPr/>
+        </p:nvCxnSpPr>
+        <p:spPr>
+          <a:xfrm>
+            <a:off x="1725037" y="2414588"/>
+            <a:ext cx="0" cy="1529467"/>
+          </a:xfrm>
+          <a:prstGeom prst="straightConnector1">
+            <a:avLst/>
+          </a:prstGeom>
+          <a:ln w="12700">
+            <a:solidFill>
+              <a:srgbClr val="2F528F"/>
+            </a:solidFill>
+            <a:headEnd type="stealth"/>
+            <a:tailEnd type="none"/>
+          </a:ln>
+        </p:spPr>
+        <p:style>
+          <a:lnRef idx="1">
+            <a:schemeClr val="accent1"/>
+          </a:lnRef>
+          <a:fillRef idx="0">
+            <a:schemeClr val="accent1"/>
+          </a:fillRef>
+          <a:effectRef idx="0">
+            <a:schemeClr val="accent1"/>
+          </a:effectRef>
+          <a:fontRef idx="minor">
+            <a:schemeClr val="tx1"/>
+          </a:fontRef>
+        </p:style>
+      </p:cxnSp>
+      <p:sp>
+        <p:nvSpPr>
+          <p:cNvPr id="73" name="TextBox 72">
+            <a:extLst>
+              <a:ext uri="{FF2B5EF4-FFF2-40B4-BE49-F238E27FC236}">
+                <a16:creationId xmlns:a16="http://schemas.microsoft.com/office/drawing/2014/main" id="{BC2A7E36-50D7-355F-6F39-5FB47ED8561C}"/>
+              </a:ext>
+            </a:extLst>
+          </p:cNvPr>
+          <p:cNvSpPr txBox="1"/>
+          <p:nvPr/>
+        </p:nvSpPr>
+        <p:spPr>
+          <a:xfrm>
+            <a:off x="117066" y="4691012"/>
+            <a:ext cx="6092890" cy="369332"/>
+          </a:xfrm>
+          <a:prstGeom prst="rect">
+            <a:avLst/>
+          </a:prstGeom>
+          <a:noFill/>
+        </p:spPr>
+        <p:txBody>
+          <a:bodyPr wrap="square">
+            <a:spAutoFit/>
+          </a:bodyPr>
+          <a:lstStyle/>
+          <a:p>
+            <a:r>
+              <a:rPr lang="en-US"/>
+              <a:t>NALid</a:t>
+            </a:r>
+          </a:p>
+        </p:txBody>
+      </p:sp>
+      <p:sp>
+        <p:nvSpPr>
+          <p:cNvPr id="74" name="TextBox 73">
+            <a:extLst>
+              <a:ext uri="{FF2B5EF4-FFF2-40B4-BE49-F238E27FC236}">
+                <a16:creationId xmlns:a16="http://schemas.microsoft.com/office/drawing/2014/main" id="{DA46AF9F-9638-18EC-C635-B046D3013DB4}"/>
+              </a:ext>
+            </a:extLst>
+          </p:cNvPr>
+          <p:cNvSpPr txBox="1"/>
+          <p:nvPr/>
+        </p:nvSpPr>
+        <p:spPr>
+          <a:xfrm>
+            <a:off x="4046311" y="4731117"/>
+            <a:ext cx="204717" cy="369332"/>
+          </a:xfrm>
+          <a:prstGeom prst="rect">
+            <a:avLst/>
+          </a:prstGeom>
+          <a:noFill/>
+        </p:spPr>
+        <p:txBody>
+          <a:bodyPr wrap="square" rtlCol="0">
+            <a:spAutoFit/>
+          </a:bodyPr>
+          <a:lstStyle/>
+          <a:p>
+            <a:r>
+              <a:rPr lang="en-US"/>
+              <a:t>0</a:t>
+            </a:r>
+          </a:p>
+        </p:txBody>
+      </p:sp>
+      <p:sp>
+        <p:nvSpPr>
+          <p:cNvPr id="75" name="TextBox 74">
+            <a:extLst>
+              <a:ext uri="{FF2B5EF4-FFF2-40B4-BE49-F238E27FC236}">
+                <a16:creationId xmlns:a16="http://schemas.microsoft.com/office/drawing/2014/main" id="{F8465464-B11F-DF5F-B4D1-5F3F4DC6B07E}"/>
+              </a:ext>
+            </a:extLst>
+          </p:cNvPr>
+          <p:cNvSpPr txBox="1"/>
+          <p:nvPr/>
+        </p:nvSpPr>
+        <p:spPr>
+          <a:xfrm>
+            <a:off x="3428840" y="4731117"/>
+            <a:ext cx="204717" cy="369332"/>
+          </a:xfrm>
+          <a:prstGeom prst="rect">
+            <a:avLst/>
+          </a:prstGeom>
+          <a:noFill/>
+        </p:spPr>
+        <p:txBody>
+          <a:bodyPr wrap="square" rtlCol="0">
+            <a:spAutoFit/>
+          </a:bodyPr>
+          <a:lstStyle/>
+          <a:p>
+            <a:r>
+              <a:rPr lang="en-US"/>
+              <a:t>1</a:t>
+            </a:r>
+          </a:p>
+        </p:txBody>
+      </p:sp>
+      <p:sp>
+        <p:nvSpPr>
+          <p:cNvPr id="76" name="TextBox 75">
+            <a:extLst>
+              <a:ext uri="{FF2B5EF4-FFF2-40B4-BE49-F238E27FC236}">
+                <a16:creationId xmlns:a16="http://schemas.microsoft.com/office/drawing/2014/main" id="{7D137994-D2A7-20B8-6B07-D18A82830118}"/>
+              </a:ext>
+            </a:extLst>
+          </p:cNvPr>
+          <p:cNvSpPr txBox="1"/>
+          <p:nvPr/>
+        </p:nvSpPr>
+        <p:spPr>
+          <a:xfrm>
+            <a:off x="2811371" y="4731117"/>
+            <a:ext cx="204717" cy="369332"/>
+          </a:xfrm>
+          <a:prstGeom prst="rect">
+            <a:avLst/>
+          </a:prstGeom>
+          <a:noFill/>
+        </p:spPr>
+        <p:txBody>
+          <a:bodyPr wrap="square" rtlCol="0">
+            <a:spAutoFit/>
+          </a:bodyPr>
+          <a:lstStyle/>
+          <a:p>
+            <a:r>
+              <a:rPr lang="en-US"/>
+              <a:t>2</a:t>
+            </a:r>
+          </a:p>
+        </p:txBody>
+      </p:sp>
+      <p:sp>
+        <p:nvSpPr>
+          <p:cNvPr id="77" name="TextBox 76">
+            <a:extLst>
+              <a:ext uri="{FF2B5EF4-FFF2-40B4-BE49-F238E27FC236}">
+                <a16:creationId xmlns:a16="http://schemas.microsoft.com/office/drawing/2014/main" id="{43C4246B-1527-8FB0-D698-7B4CFDF234C2}"/>
+              </a:ext>
+            </a:extLst>
+          </p:cNvPr>
+          <p:cNvSpPr txBox="1"/>
+          <p:nvPr/>
+        </p:nvSpPr>
+        <p:spPr>
+          <a:xfrm>
+            <a:off x="2193902" y="4731117"/>
+            <a:ext cx="204717" cy="369332"/>
+          </a:xfrm>
+          <a:prstGeom prst="rect">
+            <a:avLst/>
+          </a:prstGeom>
+          <a:noFill/>
+        </p:spPr>
+        <p:txBody>
+          <a:bodyPr wrap="square" rtlCol="0">
+            <a:spAutoFit/>
+          </a:bodyPr>
+          <a:lstStyle/>
+          <a:p>
+            <a:r>
+              <a:rPr lang="en-US"/>
+              <a:t>3</a:t>
+            </a:r>
+          </a:p>
+        </p:txBody>
+      </p:sp>
+      <p:sp>
+        <p:nvSpPr>
+          <p:cNvPr id="78" name="TextBox 77">
+            <a:extLst>
+              <a:ext uri="{FF2B5EF4-FFF2-40B4-BE49-F238E27FC236}">
+                <a16:creationId xmlns:a16="http://schemas.microsoft.com/office/drawing/2014/main" id="{0A7B9473-30EF-C83A-F551-33CB636C7117}"/>
+              </a:ext>
+            </a:extLst>
+          </p:cNvPr>
+          <p:cNvSpPr txBox="1"/>
+          <p:nvPr/>
+        </p:nvSpPr>
+        <p:spPr>
+          <a:xfrm>
+            <a:off x="1576433" y="4731117"/>
+            <a:ext cx="204717" cy="369332"/>
+          </a:xfrm>
+          <a:prstGeom prst="rect">
+            <a:avLst/>
+          </a:prstGeom>
+          <a:noFill/>
+        </p:spPr>
+        <p:txBody>
+          <a:bodyPr wrap="square" rtlCol="0">
+            <a:spAutoFit/>
+          </a:bodyPr>
+          <a:lstStyle/>
+          <a:p>
+            <a:r>
+              <a:rPr lang="en-US"/>
+              <a:t>4</a:t>
+            </a:r>
+          </a:p>
+        </p:txBody>
+      </p:sp>
+      <p:sp>
+        <p:nvSpPr>
+          <p:cNvPr id="79" name="TextBox 78">
+            <a:extLst>
+              <a:ext uri="{FF2B5EF4-FFF2-40B4-BE49-F238E27FC236}">
+                <a16:creationId xmlns:a16="http://schemas.microsoft.com/office/drawing/2014/main" id="{06C0D49C-3D69-3A21-694E-75420471E8AE}"/>
+              </a:ext>
+            </a:extLst>
+          </p:cNvPr>
+          <p:cNvSpPr txBox="1"/>
+          <p:nvPr/>
+        </p:nvSpPr>
+        <p:spPr>
+          <a:xfrm>
+            <a:off x="958964" y="4731117"/>
+            <a:ext cx="204717" cy="369332"/>
+          </a:xfrm>
+          <a:prstGeom prst="rect">
+            <a:avLst/>
+          </a:prstGeom>
+          <a:noFill/>
+        </p:spPr>
+        <p:txBody>
+          <a:bodyPr wrap="square" rtlCol="0">
+            <a:spAutoFit/>
+          </a:bodyPr>
+          <a:lstStyle/>
+          <a:p>
+            <a:r>
+              <a:rPr lang="en-US"/>
+              <a:t>5</a:t>
+            </a:r>
+          </a:p>
+        </p:txBody>
+      </p:sp>
+      <p:sp>
+        <p:nvSpPr>
+          <p:cNvPr id="80" name="TextBox 79">
+            <a:extLst>
+              <a:ext uri="{FF2B5EF4-FFF2-40B4-BE49-F238E27FC236}">
+                <a16:creationId xmlns:a16="http://schemas.microsoft.com/office/drawing/2014/main" id="{642CD6C5-B4D6-17DB-843D-59395EB8C889}"/>
+              </a:ext>
+            </a:extLst>
+          </p:cNvPr>
+          <p:cNvSpPr txBox="1"/>
+          <p:nvPr/>
+        </p:nvSpPr>
+        <p:spPr>
+          <a:xfrm>
+            <a:off x="115751" y="1244260"/>
+            <a:ext cx="6092890" cy="369332"/>
+          </a:xfrm>
+          <a:prstGeom prst="rect">
+            <a:avLst/>
+          </a:prstGeom>
+          <a:noFill/>
+        </p:spPr>
+        <p:txBody>
+          <a:bodyPr wrap="square">
+            <a:spAutoFit/>
+          </a:bodyPr>
+          <a:lstStyle/>
+          <a:p>
+            <a:r>
+              <a:rPr lang="en-US"/>
+              <a:t>VCLid</a:t>
+            </a:r>
+          </a:p>
+        </p:txBody>
+      </p:sp>
+      <p:sp>
+        <p:nvSpPr>
+          <p:cNvPr id="81" name="TextBox 80">
+            <a:extLst>
+              <a:ext uri="{FF2B5EF4-FFF2-40B4-BE49-F238E27FC236}">
+                <a16:creationId xmlns:a16="http://schemas.microsoft.com/office/drawing/2014/main" id="{9A714158-C7B4-CD3B-3677-D8DD39F309FC}"/>
+              </a:ext>
+            </a:extLst>
+          </p:cNvPr>
+          <p:cNvSpPr txBox="1"/>
+          <p:nvPr/>
+        </p:nvSpPr>
+        <p:spPr>
+          <a:xfrm>
+            <a:off x="2811371" y="1264438"/>
+            <a:ext cx="204717" cy="369332"/>
+          </a:xfrm>
+          <a:prstGeom prst="rect">
+            <a:avLst/>
+          </a:prstGeom>
+          <a:noFill/>
+        </p:spPr>
+        <p:txBody>
+          <a:bodyPr wrap="square" rtlCol="0">
+            <a:spAutoFit/>
+          </a:bodyPr>
+          <a:lstStyle/>
+          <a:p>
+            <a:r>
+              <a:rPr lang="en-US"/>
+              <a:t>0</a:t>
+            </a:r>
+          </a:p>
+        </p:txBody>
+      </p:sp>
+      <p:sp>
+        <p:nvSpPr>
+          <p:cNvPr id="82" name="TextBox 81">
+            <a:extLst>
+              <a:ext uri="{FF2B5EF4-FFF2-40B4-BE49-F238E27FC236}">
+                <a16:creationId xmlns:a16="http://schemas.microsoft.com/office/drawing/2014/main" id="{32523647-FAE4-F02A-DC7B-84364DAA8B30}"/>
+              </a:ext>
+            </a:extLst>
+          </p:cNvPr>
+          <p:cNvSpPr txBox="1"/>
+          <p:nvPr/>
+        </p:nvSpPr>
+        <p:spPr>
+          <a:xfrm>
+            <a:off x="2193902" y="1264438"/>
+            <a:ext cx="204717" cy="369332"/>
+          </a:xfrm>
+          <a:prstGeom prst="rect">
+            <a:avLst/>
+          </a:prstGeom>
+          <a:noFill/>
+        </p:spPr>
+        <p:txBody>
+          <a:bodyPr wrap="square" rtlCol="0">
+            <a:spAutoFit/>
+          </a:bodyPr>
+          <a:lstStyle/>
+          <a:p>
+            <a:r>
+              <a:rPr lang="en-US"/>
+              <a:t>1</a:t>
+            </a:r>
+          </a:p>
+        </p:txBody>
+      </p:sp>
+      <p:sp>
+        <p:nvSpPr>
+          <p:cNvPr id="83" name="TextBox 82">
+            <a:extLst>
+              <a:ext uri="{FF2B5EF4-FFF2-40B4-BE49-F238E27FC236}">
+                <a16:creationId xmlns:a16="http://schemas.microsoft.com/office/drawing/2014/main" id="{8AFA1860-3BE5-2AA4-A960-087A8AC37F90}"/>
+              </a:ext>
+            </a:extLst>
+          </p:cNvPr>
+          <p:cNvSpPr txBox="1"/>
+          <p:nvPr/>
+        </p:nvSpPr>
+        <p:spPr>
+          <a:xfrm>
+            <a:off x="1576433" y="1264438"/>
+            <a:ext cx="204717" cy="369332"/>
+          </a:xfrm>
+          <a:prstGeom prst="rect">
+            <a:avLst/>
+          </a:prstGeom>
+          <a:noFill/>
+        </p:spPr>
+        <p:txBody>
+          <a:bodyPr wrap="square" rtlCol="0">
+            <a:spAutoFit/>
+          </a:bodyPr>
+          <a:lstStyle/>
+          <a:p>
+            <a:r>
+              <a:rPr lang="en-US"/>
+              <a:t>2</a:t>
+            </a:r>
+          </a:p>
+        </p:txBody>
+      </p:sp>
+      <p:sp>
+        <p:nvSpPr>
+          <p:cNvPr id="84" name="TextBox 83">
+            <a:extLst>
+              <a:ext uri="{FF2B5EF4-FFF2-40B4-BE49-F238E27FC236}">
+                <a16:creationId xmlns:a16="http://schemas.microsoft.com/office/drawing/2014/main" id="{8A7DD928-4B03-29D6-DD4A-8349B3463BDE}"/>
+              </a:ext>
+            </a:extLst>
+          </p:cNvPr>
+          <p:cNvSpPr txBox="1"/>
+          <p:nvPr/>
+        </p:nvSpPr>
+        <p:spPr>
+          <a:xfrm>
+            <a:off x="958964" y="1264438"/>
+            <a:ext cx="204717" cy="369332"/>
+          </a:xfrm>
+          <a:prstGeom prst="rect">
+            <a:avLst/>
+          </a:prstGeom>
+          <a:noFill/>
+        </p:spPr>
+        <p:txBody>
+          <a:bodyPr wrap="square" rtlCol="0">
+            <a:spAutoFit/>
+          </a:bodyPr>
+          <a:lstStyle/>
+          <a:p>
+            <a:r>
+              <a:rPr lang="en-US"/>
+              <a:t>3</a:t>
+            </a:r>
+          </a:p>
+        </p:txBody>
+      </p:sp>
+    </p:spTree>
+    <p:extLst>
+      <p:ext uri="{BB962C8B-B14F-4D97-AF65-F5344CB8AC3E}">
+        <p14:creationId xmlns:p14="http://schemas.microsoft.com/office/powerpoint/2010/main" val="2864397168"/>
       </p:ext>
     </p:extLst>
   </p:cSld>

--- a/docs/NALUProcessing.pptx
+++ b/docs/NALUProcessing.pptx
@@ -13120,8 +13120,8 @@
         </p:nvSpPr>
         <p:spPr>
           <a:xfrm>
-            <a:off x="4416126" y="624285"/>
-            <a:ext cx="169522" cy="164722"/>
+            <a:off x="4416126" y="609600"/>
+            <a:ext cx="169522" cy="192107"/>
           </a:xfrm>
           <a:prstGeom prst="ellipse">
             <a:avLst/>
@@ -13167,8 +13167,8 @@
         </p:nvSpPr>
         <p:spPr>
           <a:xfrm>
-            <a:off x="4584605" y="624285"/>
-            <a:ext cx="169522" cy="164722"/>
+            <a:off x="4584605" y="609600"/>
+            <a:ext cx="169522" cy="192107"/>
           </a:xfrm>
           <a:prstGeom prst="ellipse">
             <a:avLst/>
@@ -13214,7 +13214,7 @@
         </p:nvSpPr>
         <p:spPr>
           <a:xfrm>
-            <a:off x="2971800" y="795338"/>
+            <a:off x="2959100" y="795338"/>
             <a:ext cx="1552432" cy="500062"/>
           </a:xfrm>
           <a:custGeom>
@@ -13400,7 +13400,7 @@
         </p:nvSpPr>
         <p:spPr>
           <a:xfrm>
-            <a:off x="1733550" y="781050"/>
+            <a:off x="1733550" y="796925"/>
             <a:ext cx="2946400" cy="495300"/>
           </a:xfrm>
           <a:custGeom>
